--- a/Figures/figure_dot_plot_splam_spliceai/figure_dot_plot_splam_spliceai.pptx
+++ b/Figures/figure_dot_plot_splam_spliceai/figure_dot_plot_splam_spliceai.pptx
@@ -197,7 +197,7 @@
           <a:p>
             <a:fld id="{ABD72DE5-B6EE-E147-A976-7400C289695F}" type="datetimeFigureOut">
               <a:rPr lang="en-US" smtClean="0"/>
-              <a:t>5/24/23</a:t>
+              <a:t>6/29/23</a:t>
             </a:fld>
             <a:endParaRPr lang="en-US"/>
           </a:p>
@@ -684,7 +684,7 @@
           <a:p>
             <a:fld id="{5829EFD3-DAAF-1A4D-98F0-A61E9156FD54}" type="datetimeFigureOut">
               <a:rPr lang="en-US" smtClean="0"/>
-              <a:t>5/24/23</a:t>
+              <a:t>6/29/23</a:t>
             </a:fld>
             <a:endParaRPr lang="en-US"/>
           </a:p>
@@ -854,7 +854,7 @@
           <a:p>
             <a:fld id="{5829EFD3-DAAF-1A4D-98F0-A61E9156FD54}" type="datetimeFigureOut">
               <a:rPr lang="en-US" smtClean="0"/>
-              <a:t>5/24/23</a:t>
+              <a:t>6/29/23</a:t>
             </a:fld>
             <a:endParaRPr lang="en-US"/>
           </a:p>
@@ -1034,7 +1034,7 @@
           <a:p>
             <a:fld id="{5829EFD3-DAAF-1A4D-98F0-A61E9156FD54}" type="datetimeFigureOut">
               <a:rPr lang="en-US" smtClean="0"/>
-              <a:t>5/24/23</a:t>
+              <a:t>6/29/23</a:t>
             </a:fld>
             <a:endParaRPr lang="en-US"/>
           </a:p>
@@ -1204,7 +1204,7 @@
           <a:p>
             <a:fld id="{5829EFD3-DAAF-1A4D-98F0-A61E9156FD54}" type="datetimeFigureOut">
               <a:rPr lang="en-US" smtClean="0"/>
-              <a:t>5/24/23</a:t>
+              <a:t>6/29/23</a:t>
             </a:fld>
             <a:endParaRPr lang="en-US"/>
           </a:p>
@@ -1448,7 +1448,7 @@
           <a:p>
             <a:fld id="{5829EFD3-DAAF-1A4D-98F0-A61E9156FD54}" type="datetimeFigureOut">
               <a:rPr lang="en-US" smtClean="0"/>
-              <a:t>5/24/23</a:t>
+              <a:t>6/29/23</a:t>
             </a:fld>
             <a:endParaRPr lang="en-US"/>
           </a:p>
@@ -1680,7 +1680,7 @@
           <a:p>
             <a:fld id="{5829EFD3-DAAF-1A4D-98F0-A61E9156FD54}" type="datetimeFigureOut">
               <a:rPr lang="en-US" smtClean="0"/>
-              <a:t>5/24/23</a:t>
+              <a:t>6/29/23</a:t>
             </a:fld>
             <a:endParaRPr lang="en-US"/>
           </a:p>
@@ -2047,7 +2047,7 @@
           <a:p>
             <a:fld id="{5829EFD3-DAAF-1A4D-98F0-A61E9156FD54}" type="datetimeFigureOut">
               <a:rPr lang="en-US" smtClean="0"/>
-              <a:t>5/24/23</a:t>
+              <a:t>6/29/23</a:t>
             </a:fld>
             <a:endParaRPr lang="en-US"/>
           </a:p>
@@ -2165,7 +2165,7 @@
           <a:p>
             <a:fld id="{5829EFD3-DAAF-1A4D-98F0-A61E9156FD54}" type="datetimeFigureOut">
               <a:rPr lang="en-US" smtClean="0"/>
-              <a:t>5/24/23</a:t>
+              <a:t>6/29/23</a:t>
             </a:fld>
             <a:endParaRPr lang="en-US"/>
           </a:p>
@@ -2260,7 +2260,7 @@
           <a:p>
             <a:fld id="{5829EFD3-DAAF-1A4D-98F0-A61E9156FD54}" type="datetimeFigureOut">
               <a:rPr lang="en-US" smtClean="0"/>
-              <a:t>5/24/23</a:t>
+              <a:t>6/29/23</a:t>
             </a:fld>
             <a:endParaRPr lang="en-US"/>
           </a:p>
@@ -2537,7 +2537,7 @@
           <a:p>
             <a:fld id="{5829EFD3-DAAF-1A4D-98F0-A61E9156FD54}" type="datetimeFigureOut">
               <a:rPr lang="en-US" smtClean="0"/>
-              <a:t>5/24/23</a:t>
+              <a:t>6/29/23</a:t>
             </a:fld>
             <a:endParaRPr lang="en-US"/>
           </a:p>
@@ -2794,7 +2794,7 @@
           <a:p>
             <a:fld id="{5829EFD3-DAAF-1A4D-98F0-A61E9156FD54}" type="datetimeFigureOut">
               <a:rPr lang="en-US" smtClean="0"/>
-              <a:t>5/24/23</a:t>
+              <a:t>6/29/23</a:t>
             </a:fld>
             <a:endParaRPr lang="en-US"/>
           </a:p>
@@ -3007,7 +3007,7 @@
           <a:p>
             <a:fld id="{5829EFD3-DAAF-1A4D-98F0-A61E9156FD54}" type="datetimeFigureOut">
               <a:rPr lang="en-US" smtClean="0"/>
-              <a:t>5/24/23</a:t>
+              <a:t>6/29/23</a:t>
             </a:fld>
             <a:endParaRPr lang="en-US"/>
           </a:p>
@@ -3414,10 +3414,10 @@
       </p:grpSpPr>
       <p:pic>
         <p:nvPicPr>
-          <p:cNvPr id="11" name="Picture 10" descr="A picture containing text, diagram, line, plot&#10;&#10;Description automatically generated">
+          <p:cNvPr id="5" name="Picture 4" descr="A picture containing text, diagram, line, plot&#10;&#10;Description automatically generated">
             <a:extLst>
               <a:ext uri="{FF2B5EF4-FFF2-40B4-BE49-F238E27FC236}">
-                <a16:creationId xmlns:a16="http://schemas.microsoft.com/office/drawing/2014/main" id="{1E54C320-0C7F-C7E4-F479-010D0AD5F1C6}"/>
+                <a16:creationId xmlns:a16="http://schemas.microsoft.com/office/drawing/2014/main" id="{D5307EE8-18F2-4858-4A99-D08DB3911E5A}"/>
               </a:ext>
             </a:extLst>
           </p:cNvPr>
@@ -3434,7 +3434,7 @@
         </p:blipFill>
         <p:spPr>
           <a:xfrm>
-            <a:off x="2389326" y="12129199"/>
+            <a:off x="2409988" y="12748221"/>
             <a:ext cx="33462598" cy="11754810"/>
           </a:xfrm>
           <a:prstGeom prst="rect">
@@ -3491,7 +3491,7 @@
         </p:nvSpPr>
         <p:spPr>
           <a:xfrm>
-            <a:off x="12610431" y="21655348"/>
+            <a:off x="12942943" y="21655348"/>
             <a:ext cx="21876779" cy="1973740"/>
           </a:xfrm>
           <a:prstGeom prst="rect">
@@ -3543,7 +3543,7 @@
         </p:nvSpPr>
         <p:spPr>
           <a:xfrm>
-            <a:off x="15314986" y="21021577"/>
+            <a:off x="15540220" y="21354095"/>
             <a:ext cx="21876779" cy="1973740"/>
           </a:xfrm>
           <a:prstGeom prst="rect">
@@ -3635,10 +3635,10 @@
       </p:sp>
       <p:pic>
         <p:nvPicPr>
-          <p:cNvPr id="12" name="Picture 11" descr="A picture containing diagram, plot, text, line&#10;&#10;Description automatically generated">
+          <p:cNvPr id="6" name="Picture 5" descr="A picture containing diagram, plot, text, line&#10;&#10;Description automatically generated">
             <a:extLst>
               <a:ext uri="{FF2B5EF4-FFF2-40B4-BE49-F238E27FC236}">
-                <a16:creationId xmlns:a16="http://schemas.microsoft.com/office/drawing/2014/main" id="{45C63B03-5087-2509-15EC-764E36500041}"/>
+                <a16:creationId xmlns:a16="http://schemas.microsoft.com/office/drawing/2014/main" id="{420B2FC3-F79A-5A08-6FD7-C7DBEA62AFD0}"/>
               </a:ext>
             </a:extLst>
           </p:cNvPr>
@@ -3647,15 +3647,16 @@
           </p:cNvPicPr>
           <p:nvPr/>
         </p:nvPicPr>
-        <p:blipFill rotWithShape="1">
+        <p:blipFill>
           <a:blip r:embed="rId4"/>
-          <a:srcRect b="4303"/>
-          <a:stretch/>
+          <a:stretch>
+            <a:fillRect/>
+          </a:stretch>
         </p:blipFill>
         <p:spPr>
           <a:xfrm>
-            <a:off x="2389326" y="1461165"/>
-            <a:ext cx="33462598" cy="11248995"/>
+            <a:off x="2409988" y="1547832"/>
+            <a:ext cx="33462598" cy="11754810"/>
           </a:xfrm>
           <a:prstGeom prst="rect">
             <a:avLst/>
@@ -3664,10 +3665,10 @@
       </p:pic>
       <p:sp>
         <p:nvSpPr>
-          <p:cNvPr id="14" name="TextBox 13">
+          <p:cNvPr id="7" name="TextBox 6">
             <a:extLst>
               <a:ext uri="{FF2B5EF4-FFF2-40B4-BE49-F238E27FC236}">
-                <a16:creationId xmlns:a16="http://schemas.microsoft.com/office/drawing/2014/main" id="{BEB8B5F1-6D7C-F59B-F4BB-27A0C21B5FBF}"/>
+                <a16:creationId xmlns:a16="http://schemas.microsoft.com/office/drawing/2014/main" id="{DE00191E-FC42-CDDB-AF97-D432E0706246}"/>
               </a:ext>
             </a:extLst>
           </p:cNvPr>
@@ -3699,10 +3700,10 @@
       </p:sp>
       <p:sp>
         <p:nvSpPr>
-          <p:cNvPr id="16" name="TextBox 15">
+          <p:cNvPr id="10" name="TextBox 9">
             <a:extLst>
               <a:ext uri="{FF2B5EF4-FFF2-40B4-BE49-F238E27FC236}">
-                <a16:creationId xmlns:a16="http://schemas.microsoft.com/office/drawing/2014/main" id="{D5D8C03E-994A-6B22-3F7B-E8416D452AD5}"/>
+                <a16:creationId xmlns:a16="http://schemas.microsoft.com/office/drawing/2014/main" id="{8630D0BA-0CE3-9D96-1F9F-19F29E8D932A}"/>
               </a:ext>
             </a:extLst>
           </p:cNvPr>
@@ -3734,10 +3735,10 @@
       </p:sp>
       <p:pic>
         <p:nvPicPr>
-          <p:cNvPr id="23" name="Picture 22" descr="A green line and orange line&#10;&#10;Description automatically generated with low confidence">
+          <p:cNvPr id="19" name="Picture 18" descr="A green line and orange line&#10;&#10;Description automatically generated with low confidence">
             <a:extLst>
               <a:ext uri="{FF2B5EF4-FFF2-40B4-BE49-F238E27FC236}">
-                <a16:creationId xmlns:a16="http://schemas.microsoft.com/office/drawing/2014/main" id="{A3AAABB7-9E7B-C52B-C33C-0E3B432DC82D}"/>
+                <a16:creationId xmlns:a16="http://schemas.microsoft.com/office/drawing/2014/main" id="{6129BEBF-3A02-A6A7-20EC-D190A92ED442}"/>
               </a:ext>
             </a:extLst>
           </p:cNvPr>
@@ -3754,7 +3755,7 @@
         </p:blipFill>
         <p:spPr>
           <a:xfrm>
-            <a:off x="1271114" y="22773415"/>
+            <a:off x="1271114" y="22773414"/>
             <a:ext cx="35308348" cy="8827087"/>
           </a:xfrm>
           <a:prstGeom prst="rect">
@@ -3764,10 +3765,10 @@
       </p:pic>
       <p:sp>
         <p:nvSpPr>
-          <p:cNvPr id="24" name="TextBox 23">
+          <p:cNvPr id="20" name="TextBox 19">
             <a:extLst>
               <a:ext uri="{FF2B5EF4-FFF2-40B4-BE49-F238E27FC236}">
-                <a16:creationId xmlns:a16="http://schemas.microsoft.com/office/drawing/2014/main" id="{1FEE47BC-6E11-5D58-431C-9BA870A00BD8}"/>
+                <a16:creationId xmlns:a16="http://schemas.microsoft.com/office/drawing/2014/main" id="{E7ADFE3F-58B4-7D9B-2CE3-73BB7EF8643E}"/>
               </a:ext>
             </a:extLst>
           </p:cNvPr>

--- a/Figures/figure_dot_plot_splam_spliceai/figure_dot_plot_splam_spliceai.pptx
+++ b/Figures/figure_dot_plot_splam_spliceai/figure_dot_plot_splam_spliceai.pptx
@@ -2,7 +2,7 @@
 <file path=ppt/presentation.xml><?xml version="1.0" encoding="utf-8"?>
 <p:presentation xmlns:a="http://schemas.openxmlformats.org/drawingml/2006/main" xmlns:r="http://schemas.openxmlformats.org/officeDocument/2006/relationships" xmlns:p="http://schemas.openxmlformats.org/presentationml/2006/main" saveSubsetFonts="1" autoCompressPictures="0">
   <p:sldMasterIdLst>
-    <p:sldMasterId id="2147483684" r:id="rId1"/>
+    <p:sldMasterId id="2147483708" r:id="rId1"/>
   </p:sldMasterIdLst>
   <p:notesMasterIdLst>
     <p:notesMasterId r:id="rId3"/>
@@ -10,7 +10,7 @@
   <p:sldIdLst>
     <p:sldId id="256" r:id="rId2"/>
   </p:sldIdLst>
-  <p:sldSz cx="50399950" cy="35999738"/>
+  <p:sldSz cx="46799500" cy="46799500"/>
   <p:notesSz cx="6858000" cy="9144000"/>
   <p:defaultTextStyle>
     <a:defPPr>
@@ -197,7 +197,7 @@
           <a:p>
             <a:fld id="{ABD72DE5-B6EE-E147-A976-7400C289695F}" type="datetimeFigureOut">
               <a:rPr lang="en-US" smtClean="0"/>
-              <a:t>6/29/23</a:t>
+              <a:t>7/5/23</a:t>
             </a:fld>
             <a:endParaRPr lang="en-US"/>
           </a:p>
@@ -215,8 +215,8 @@
         </p:nvSpPr>
         <p:spPr>
           <a:xfrm>
-            <a:off x="1270000" y="1143000"/>
-            <a:ext cx="4318000" cy="3086100"/>
+            <a:off x="1885950" y="1143000"/>
+            <a:ext cx="3086100" cy="3086100"/>
           </a:xfrm>
           <a:prstGeom prst="rect">
             <a:avLst/>
@@ -493,8 +493,8 @@
         </p:nvSpPr>
         <p:spPr>
           <a:xfrm>
-            <a:off x="1270000" y="1143000"/>
-            <a:ext cx="4318000" cy="3086100"/>
+            <a:off x="1885950" y="1143000"/>
+            <a:ext cx="3086100" cy="3086100"/>
           </a:xfrm>
         </p:spPr>
       </p:sp>
@@ -582,15 +582,15 @@
         </p:nvSpPr>
         <p:spPr>
           <a:xfrm>
-            <a:off x="3779996" y="5891626"/>
-            <a:ext cx="42839958" cy="12533242"/>
+            <a:off x="3509963" y="7659088"/>
+            <a:ext cx="39779575" cy="16293159"/>
           </a:xfrm>
         </p:spPr>
         <p:txBody>
           <a:bodyPr anchor="b"/>
           <a:lstStyle>
             <a:lvl1pPr algn="ctr">
-              <a:defRPr sz="31496"/>
+              <a:defRPr sz="30709"/>
             </a:lvl1pPr>
           </a:lstStyle>
           <a:p>
@@ -614,8 +614,8 @@
         </p:nvSpPr>
         <p:spPr>
           <a:xfrm>
-            <a:off x="6299994" y="18908198"/>
-            <a:ext cx="37799963" cy="8691601"/>
+            <a:off x="5849938" y="24580574"/>
+            <a:ext cx="35099625" cy="11299043"/>
           </a:xfrm>
         </p:spPr>
         <p:txBody>
@@ -623,39 +623,39 @@
           <a:lstStyle>
             <a:lvl1pPr marL="0" indent="0" algn="ctr">
               <a:buNone/>
-              <a:defRPr sz="12598"/>
+              <a:defRPr sz="12283"/>
             </a:lvl1pPr>
-            <a:lvl2pPr marL="2399980" indent="0" algn="ctr">
-              <a:buNone/>
-              <a:defRPr sz="10499"/>
+            <a:lvl2pPr marL="2339995" indent="0" algn="ctr">
+              <a:buNone/>
+              <a:defRPr sz="10236"/>
             </a:lvl2pPr>
-            <a:lvl3pPr marL="4799960" indent="0" algn="ctr">
-              <a:buNone/>
-              <a:defRPr sz="9449"/>
+            <a:lvl3pPr marL="4679991" indent="0" algn="ctr">
+              <a:buNone/>
+              <a:defRPr sz="9213"/>
             </a:lvl3pPr>
-            <a:lvl4pPr marL="7199940" indent="0" algn="ctr">
-              <a:buNone/>
-              <a:defRPr sz="8399"/>
+            <a:lvl4pPr marL="7019986" indent="0" algn="ctr">
+              <a:buNone/>
+              <a:defRPr sz="8189"/>
             </a:lvl4pPr>
-            <a:lvl5pPr marL="9599920" indent="0" algn="ctr">
-              <a:buNone/>
-              <a:defRPr sz="8399"/>
+            <a:lvl5pPr marL="9359981" indent="0" algn="ctr">
+              <a:buNone/>
+              <a:defRPr sz="8189"/>
             </a:lvl5pPr>
-            <a:lvl6pPr marL="11999900" indent="0" algn="ctr">
-              <a:buNone/>
-              <a:defRPr sz="8399"/>
+            <a:lvl6pPr marL="11699977" indent="0" algn="ctr">
+              <a:buNone/>
+              <a:defRPr sz="8189"/>
             </a:lvl6pPr>
-            <a:lvl7pPr marL="14399880" indent="0" algn="ctr">
-              <a:buNone/>
-              <a:defRPr sz="8399"/>
+            <a:lvl7pPr marL="14039972" indent="0" algn="ctr">
+              <a:buNone/>
+              <a:defRPr sz="8189"/>
             </a:lvl7pPr>
-            <a:lvl8pPr marL="16799860" indent="0" algn="ctr">
-              <a:buNone/>
-              <a:defRPr sz="8399"/>
+            <a:lvl8pPr marL="16379967" indent="0" algn="ctr">
+              <a:buNone/>
+              <a:defRPr sz="8189"/>
             </a:lvl8pPr>
-            <a:lvl9pPr marL="19199840" indent="0" algn="ctr">
-              <a:buNone/>
-              <a:defRPr sz="8399"/>
+            <a:lvl9pPr marL="18719963" indent="0" algn="ctr">
+              <a:buNone/>
+              <a:defRPr sz="8189"/>
             </a:lvl9pPr>
           </a:lstStyle>
           <a:p>
@@ -684,7 +684,7 @@
           <a:p>
             <a:fld id="{5829EFD3-DAAF-1A4D-98F0-A61E9156FD54}" type="datetimeFigureOut">
               <a:rPr lang="en-US" smtClean="0"/>
-              <a:t>6/29/23</a:t>
+              <a:t>7/5/23</a:t>
             </a:fld>
             <a:endParaRPr lang="en-US"/>
           </a:p>
@@ -735,7 +735,7 @@
     </p:spTree>
     <p:extLst>
       <p:ext uri="{BB962C8B-B14F-4D97-AF65-F5344CB8AC3E}">
-        <p14:creationId xmlns:p14="http://schemas.microsoft.com/office/powerpoint/2010/main" val="3514228061"/>
+        <p14:creationId xmlns:p14="http://schemas.microsoft.com/office/powerpoint/2010/main" val="1384966263"/>
       </p:ext>
     </p:extLst>
   </p:cSld>
@@ -854,7 +854,7 @@
           <a:p>
             <a:fld id="{5829EFD3-DAAF-1A4D-98F0-A61E9156FD54}" type="datetimeFigureOut">
               <a:rPr lang="en-US" smtClean="0"/>
-              <a:t>6/29/23</a:t>
+              <a:t>7/5/23</a:t>
             </a:fld>
             <a:endParaRPr lang="en-US"/>
           </a:p>
@@ -905,7 +905,7 @@
     </p:spTree>
     <p:extLst>
       <p:ext uri="{BB962C8B-B14F-4D97-AF65-F5344CB8AC3E}">
-        <p14:creationId xmlns:p14="http://schemas.microsoft.com/office/powerpoint/2010/main" val="3442652749"/>
+        <p14:creationId xmlns:p14="http://schemas.microsoft.com/office/powerpoint/2010/main" val="905066352"/>
       </p:ext>
     </p:extLst>
   </p:cSld>
@@ -944,8 +944,8 @@
         </p:nvSpPr>
         <p:spPr>
           <a:xfrm>
-            <a:off x="36067467" y="1916653"/>
-            <a:ext cx="10867489" cy="30508114"/>
+            <a:off x="33490895" y="2491640"/>
+            <a:ext cx="10091142" cy="39660413"/>
           </a:xfrm>
         </p:spPr>
         <p:txBody>
@@ -972,8 +972,8 @@
         </p:nvSpPr>
         <p:spPr>
           <a:xfrm>
-            <a:off x="3464999" y="1916653"/>
-            <a:ext cx="31972468" cy="30508114"/>
+            <a:off x="3217468" y="2491640"/>
+            <a:ext cx="29688433" cy="39660413"/>
           </a:xfrm>
         </p:spPr>
         <p:txBody>
@@ -1034,7 +1034,7 @@
           <a:p>
             <a:fld id="{5829EFD3-DAAF-1A4D-98F0-A61E9156FD54}" type="datetimeFigureOut">
               <a:rPr lang="en-US" smtClean="0"/>
-              <a:t>6/29/23</a:t>
+              <a:t>7/5/23</a:t>
             </a:fld>
             <a:endParaRPr lang="en-US"/>
           </a:p>
@@ -1085,7 +1085,7 @@
     </p:spTree>
     <p:extLst>
       <p:ext uri="{BB962C8B-B14F-4D97-AF65-F5344CB8AC3E}">
-        <p14:creationId xmlns:p14="http://schemas.microsoft.com/office/powerpoint/2010/main" val="863254101"/>
+        <p14:creationId xmlns:p14="http://schemas.microsoft.com/office/powerpoint/2010/main" val="1602130537"/>
       </p:ext>
     </p:extLst>
   </p:cSld>
@@ -1204,7 +1204,7 @@
           <a:p>
             <a:fld id="{5829EFD3-DAAF-1A4D-98F0-A61E9156FD54}" type="datetimeFigureOut">
               <a:rPr lang="en-US" smtClean="0"/>
-              <a:t>6/29/23</a:t>
+              <a:t>7/5/23</a:t>
             </a:fld>
             <a:endParaRPr lang="en-US"/>
           </a:p>
@@ -1255,7 +1255,7 @@
     </p:spTree>
     <p:extLst>
       <p:ext uri="{BB962C8B-B14F-4D97-AF65-F5344CB8AC3E}">
-        <p14:creationId xmlns:p14="http://schemas.microsoft.com/office/powerpoint/2010/main" val="2021473083"/>
+        <p14:creationId xmlns:p14="http://schemas.microsoft.com/office/powerpoint/2010/main" val="361212358"/>
       </p:ext>
     </p:extLst>
   </p:cSld>
@@ -1294,15 +1294,15 @@
         </p:nvSpPr>
         <p:spPr>
           <a:xfrm>
-            <a:off x="3438749" y="8974945"/>
-            <a:ext cx="43469957" cy="14974888"/>
+            <a:off x="3193093" y="11667389"/>
+            <a:ext cx="40364569" cy="19467289"/>
           </a:xfrm>
         </p:spPr>
         <p:txBody>
           <a:bodyPr anchor="b"/>
           <a:lstStyle>
             <a:lvl1pPr>
-              <a:defRPr sz="31496"/>
+              <a:defRPr sz="30709"/>
             </a:lvl1pPr>
           </a:lstStyle>
           <a:p>
@@ -1326,8 +1326,8 @@
         </p:nvSpPr>
         <p:spPr>
           <a:xfrm>
-            <a:off x="3438749" y="24091502"/>
-            <a:ext cx="43469957" cy="7874940"/>
+            <a:off x="3193093" y="31318846"/>
+            <a:ext cx="40364569" cy="10237387"/>
           </a:xfrm>
         </p:spPr>
         <p:txBody>
@@ -1335,15 +1335,15 @@
           <a:lstStyle>
             <a:lvl1pPr marL="0" indent="0">
               <a:buNone/>
-              <a:defRPr sz="12598">
+              <a:defRPr sz="12283">
                 <a:solidFill>
                   <a:schemeClr val="tx1"/>
                 </a:solidFill>
               </a:defRPr>
             </a:lvl1pPr>
-            <a:lvl2pPr marL="2399980" indent="0">
-              <a:buNone/>
-              <a:defRPr sz="10499">
+            <a:lvl2pPr marL="2339995" indent="0">
+              <a:buNone/>
+              <a:defRPr sz="10236">
                 <a:solidFill>
                   <a:schemeClr val="tx1">
                     <a:tint val="75000"/>
@@ -1351,9 +1351,9 @@
                 </a:solidFill>
               </a:defRPr>
             </a:lvl2pPr>
-            <a:lvl3pPr marL="4799960" indent="0">
-              <a:buNone/>
-              <a:defRPr sz="9449">
+            <a:lvl3pPr marL="4679991" indent="0">
+              <a:buNone/>
+              <a:defRPr sz="9213">
                 <a:solidFill>
                   <a:schemeClr val="tx1">
                     <a:tint val="75000"/>
@@ -1361,9 +1361,9 @@
                 </a:solidFill>
               </a:defRPr>
             </a:lvl3pPr>
-            <a:lvl4pPr marL="7199940" indent="0">
-              <a:buNone/>
-              <a:defRPr sz="8399">
+            <a:lvl4pPr marL="7019986" indent="0">
+              <a:buNone/>
+              <a:defRPr sz="8189">
                 <a:solidFill>
                   <a:schemeClr val="tx1">
                     <a:tint val="75000"/>
@@ -1371,9 +1371,9 @@
                 </a:solidFill>
               </a:defRPr>
             </a:lvl4pPr>
-            <a:lvl5pPr marL="9599920" indent="0">
-              <a:buNone/>
-              <a:defRPr sz="8399">
+            <a:lvl5pPr marL="9359981" indent="0">
+              <a:buNone/>
+              <a:defRPr sz="8189">
                 <a:solidFill>
                   <a:schemeClr val="tx1">
                     <a:tint val="75000"/>
@@ -1381,9 +1381,9 @@
                 </a:solidFill>
               </a:defRPr>
             </a:lvl5pPr>
-            <a:lvl6pPr marL="11999900" indent="0">
-              <a:buNone/>
-              <a:defRPr sz="8399">
+            <a:lvl6pPr marL="11699977" indent="0">
+              <a:buNone/>
+              <a:defRPr sz="8189">
                 <a:solidFill>
                   <a:schemeClr val="tx1">
                     <a:tint val="75000"/>
@@ -1391,9 +1391,9 @@
                 </a:solidFill>
               </a:defRPr>
             </a:lvl6pPr>
-            <a:lvl7pPr marL="14399880" indent="0">
-              <a:buNone/>
-              <a:defRPr sz="8399">
+            <a:lvl7pPr marL="14039972" indent="0">
+              <a:buNone/>
+              <a:defRPr sz="8189">
                 <a:solidFill>
                   <a:schemeClr val="tx1">
                     <a:tint val="75000"/>
@@ -1401,9 +1401,9 @@
                 </a:solidFill>
               </a:defRPr>
             </a:lvl7pPr>
-            <a:lvl8pPr marL="16799860" indent="0">
-              <a:buNone/>
-              <a:defRPr sz="8399">
+            <a:lvl8pPr marL="16379967" indent="0">
+              <a:buNone/>
+              <a:defRPr sz="8189">
                 <a:solidFill>
                   <a:schemeClr val="tx1">
                     <a:tint val="75000"/>
@@ -1411,9 +1411,9 @@
                 </a:solidFill>
               </a:defRPr>
             </a:lvl8pPr>
-            <a:lvl9pPr marL="19199840" indent="0">
-              <a:buNone/>
-              <a:defRPr sz="8399">
+            <a:lvl9pPr marL="18719963" indent="0">
+              <a:buNone/>
+              <a:defRPr sz="8189">
                 <a:solidFill>
                   <a:schemeClr val="tx1">
                     <a:tint val="75000"/>
@@ -1448,7 +1448,7 @@
           <a:p>
             <a:fld id="{5829EFD3-DAAF-1A4D-98F0-A61E9156FD54}" type="datetimeFigureOut">
               <a:rPr lang="en-US" smtClean="0"/>
-              <a:t>6/29/23</a:t>
+              <a:t>7/5/23</a:t>
             </a:fld>
             <a:endParaRPr lang="en-US"/>
           </a:p>
@@ -1499,7 +1499,7 @@
     </p:spTree>
     <p:extLst>
       <p:ext uri="{BB962C8B-B14F-4D97-AF65-F5344CB8AC3E}">
-        <p14:creationId xmlns:p14="http://schemas.microsoft.com/office/powerpoint/2010/main" val="4165514181"/>
+        <p14:creationId xmlns:p14="http://schemas.microsoft.com/office/powerpoint/2010/main" val="3762185625"/>
       </p:ext>
     </p:extLst>
   </p:cSld>
@@ -1561,8 +1561,8 @@
         </p:nvSpPr>
         <p:spPr>
           <a:xfrm>
-            <a:off x="3464996" y="9583264"/>
-            <a:ext cx="21419979" cy="22841503"/>
+            <a:off x="3217465" y="12458200"/>
+            <a:ext cx="19889788" cy="29693853"/>
           </a:xfrm>
         </p:spPr>
         <p:txBody>
@@ -1618,8 +1618,8 @@
         </p:nvSpPr>
         <p:spPr>
           <a:xfrm>
-            <a:off x="25514975" y="9583264"/>
-            <a:ext cx="21419979" cy="22841503"/>
+            <a:off x="23692247" y="12458200"/>
+            <a:ext cx="19889788" cy="29693853"/>
           </a:xfrm>
         </p:spPr>
         <p:txBody>
@@ -1680,7 +1680,7 @@
           <a:p>
             <a:fld id="{5829EFD3-DAAF-1A4D-98F0-A61E9156FD54}" type="datetimeFigureOut">
               <a:rPr lang="en-US" smtClean="0"/>
-              <a:t>6/29/23</a:t>
+              <a:t>7/5/23</a:t>
             </a:fld>
             <a:endParaRPr lang="en-US"/>
           </a:p>
@@ -1731,7 +1731,7 @@
     </p:spTree>
     <p:extLst>
       <p:ext uri="{BB962C8B-B14F-4D97-AF65-F5344CB8AC3E}">
-        <p14:creationId xmlns:p14="http://schemas.microsoft.com/office/powerpoint/2010/main" val="2166510633"/>
+        <p14:creationId xmlns:p14="http://schemas.microsoft.com/office/powerpoint/2010/main" val="2744701626"/>
       </p:ext>
     </p:extLst>
   </p:cSld>
@@ -1770,8 +1770,8 @@
         </p:nvSpPr>
         <p:spPr>
           <a:xfrm>
-            <a:off x="3471561" y="1916661"/>
-            <a:ext cx="43469957" cy="6958285"/>
+            <a:off x="3223561" y="2491650"/>
+            <a:ext cx="40364569" cy="9045740"/>
           </a:xfrm>
         </p:spPr>
         <p:txBody>
@@ -1798,8 +1798,8 @@
         </p:nvSpPr>
         <p:spPr>
           <a:xfrm>
-            <a:off x="3471567" y="8824938"/>
-            <a:ext cx="21321538" cy="4324966"/>
+            <a:off x="3223566" y="11472381"/>
+            <a:ext cx="19798379" cy="5622437"/>
           </a:xfrm>
         </p:spPr>
         <p:txBody>
@@ -1807,39 +1807,39 @@
           <a:lstStyle>
             <a:lvl1pPr marL="0" indent="0">
               <a:buNone/>
-              <a:defRPr sz="12598" b="1"/>
+              <a:defRPr sz="12283" b="1"/>
             </a:lvl1pPr>
-            <a:lvl2pPr marL="2399980" indent="0">
-              <a:buNone/>
-              <a:defRPr sz="10499" b="1"/>
+            <a:lvl2pPr marL="2339995" indent="0">
+              <a:buNone/>
+              <a:defRPr sz="10236" b="1"/>
             </a:lvl2pPr>
-            <a:lvl3pPr marL="4799960" indent="0">
-              <a:buNone/>
-              <a:defRPr sz="9449" b="1"/>
+            <a:lvl3pPr marL="4679991" indent="0">
+              <a:buNone/>
+              <a:defRPr sz="9213" b="1"/>
             </a:lvl3pPr>
-            <a:lvl4pPr marL="7199940" indent="0">
-              <a:buNone/>
-              <a:defRPr sz="8399" b="1"/>
+            <a:lvl4pPr marL="7019986" indent="0">
+              <a:buNone/>
+              <a:defRPr sz="8189" b="1"/>
             </a:lvl4pPr>
-            <a:lvl5pPr marL="9599920" indent="0">
-              <a:buNone/>
-              <a:defRPr sz="8399" b="1"/>
+            <a:lvl5pPr marL="9359981" indent="0">
+              <a:buNone/>
+              <a:defRPr sz="8189" b="1"/>
             </a:lvl5pPr>
-            <a:lvl6pPr marL="11999900" indent="0">
-              <a:buNone/>
-              <a:defRPr sz="8399" b="1"/>
+            <a:lvl6pPr marL="11699977" indent="0">
+              <a:buNone/>
+              <a:defRPr sz="8189" b="1"/>
             </a:lvl6pPr>
-            <a:lvl7pPr marL="14399880" indent="0">
-              <a:buNone/>
-              <a:defRPr sz="8399" b="1"/>
+            <a:lvl7pPr marL="14039972" indent="0">
+              <a:buNone/>
+              <a:defRPr sz="8189" b="1"/>
             </a:lvl7pPr>
-            <a:lvl8pPr marL="16799860" indent="0">
-              <a:buNone/>
-              <a:defRPr sz="8399" b="1"/>
+            <a:lvl8pPr marL="16379967" indent="0">
+              <a:buNone/>
+              <a:defRPr sz="8189" b="1"/>
             </a:lvl8pPr>
-            <a:lvl9pPr marL="19199840" indent="0">
-              <a:buNone/>
-              <a:defRPr sz="8399" b="1"/>
+            <a:lvl9pPr marL="18719963" indent="0">
+              <a:buNone/>
+              <a:defRPr sz="8189" b="1"/>
             </a:lvl9pPr>
           </a:lstStyle>
           <a:p>
@@ -1863,8 +1863,8 @@
         </p:nvSpPr>
         <p:spPr>
           <a:xfrm>
-            <a:off x="3471567" y="13149904"/>
-            <a:ext cx="21321538" cy="19341529"/>
+            <a:off x="3223566" y="17094818"/>
+            <a:ext cx="19798379" cy="25143901"/>
           </a:xfrm>
         </p:spPr>
         <p:txBody>
@@ -1920,8 +1920,8 @@
         </p:nvSpPr>
         <p:spPr>
           <a:xfrm>
-            <a:off x="25514978" y="8824938"/>
-            <a:ext cx="21426543" cy="4324966"/>
+            <a:off x="23692249" y="11472381"/>
+            <a:ext cx="19895883" cy="5622437"/>
           </a:xfrm>
         </p:spPr>
         <p:txBody>
@@ -1929,39 +1929,39 @@
           <a:lstStyle>
             <a:lvl1pPr marL="0" indent="0">
               <a:buNone/>
-              <a:defRPr sz="12598" b="1"/>
+              <a:defRPr sz="12283" b="1"/>
             </a:lvl1pPr>
-            <a:lvl2pPr marL="2399980" indent="0">
-              <a:buNone/>
-              <a:defRPr sz="10499" b="1"/>
+            <a:lvl2pPr marL="2339995" indent="0">
+              <a:buNone/>
+              <a:defRPr sz="10236" b="1"/>
             </a:lvl2pPr>
-            <a:lvl3pPr marL="4799960" indent="0">
-              <a:buNone/>
-              <a:defRPr sz="9449" b="1"/>
+            <a:lvl3pPr marL="4679991" indent="0">
+              <a:buNone/>
+              <a:defRPr sz="9213" b="1"/>
             </a:lvl3pPr>
-            <a:lvl4pPr marL="7199940" indent="0">
-              <a:buNone/>
-              <a:defRPr sz="8399" b="1"/>
+            <a:lvl4pPr marL="7019986" indent="0">
+              <a:buNone/>
+              <a:defRPr sz="8189" b="1"/>
             </a:lvl4pPr>
-            <a:lvl5pPr marL="9599920" indent="0">
-              <a:buNone/>
-              <a:defRPr sz="8399" b="1"/>
+            <a:lvl5pPr marL="9359981" indent="0">
+              <a:buNone/>
+              <a:defRPr sz="8189" b="1"/>
             </a:lvl5pPr>
-            <a:lvl6pPr marL="11999900" indent="0">
-              <a:buNone/>
-              <a:defRPr sz="8399" b="1"/>
+            <a:lvl6pPr marL="11699977" indent="0">
+              <a:buNone/>
+              <a:defRPr sz="8189" b="1"/>
             </a:lvl6pPr>
-            <a:lvl7pPr marL="14399880" indent="0">
-              <a:buNone/>
-              <a:defRPr sz="8399" b="1"/>
+            <a:lvl7pPr marL="14039972" indent="0">
+              <a:buNone/>
+              <a:defRPr sz="8189" b="1"/>
             </a:lvl7pPr>
-            <a:lvl8pPr marL="16799860" indent="0">
-              <a:buNone/>
-              <a:defRPr sz="8399" b="1"/>
+            <a:lvl8pPr marL="16379967" indent="0">
+              <a:buNone/>
+              <a:defRPr sz="8189" b="1"/>
             </a:lvl8pPr>
-            <a:lvl9pPr marL="19199840" indent="0">
-              <a:buNone/>
-              <a:defRPr sz="8399" b="1"/>
+            <a:lvl9pPr marL="18719963" indent="0">
+              <a:buNone/>
+              <a:defRPr sz="8189" b="1"/>
             </a:lvl9pPr>
           </a:lstStyle>
           <a:p>
@@ -1985,8 +1985,8 @@
         </p:nvSpPr>
         <p:spPr>
           <a:xfrm>
-            <a:off x="25514978" y="13149904"/>
-            <a:ext cx="21426543" cy="19341529"/>
+            <a:off x="23692249" y="17094818"/>
+            <a:ext cx="19895883" cy="25143901"/>
           </a:xfrm>
         </p:spPr>
         <p:txBody>
@@ -2047,7 +2047,7 @@
           <a:p>
             <a:fld id="{5829EFD3-DAAF-1A4D-98F0-A61E9156FD54}" type="datetimeFigureOut">
               <a:rPr lang="en-US" smtClean="0"/>
-              <a:t>6/29/23</a:t>
+              <a:t>7/5/23</a:t>
             </a:fld>
             <a:endParaRPr lang="en-US"/>
           </a:p>
@@ -2098,7 +2098,7 @@
     </p:spTree>
     <p:extLst>
       <p:ext uri="{BB962C8B-B14F-4D97-AF65-F5344CB8AC3E}">
-        <p14:creationId xmlns:p14="http://schemas.microsoft.com/office/powerpoint/2010/main" val="1126304702"/>
+        <p14:creationId xmlns:p14="http://schemas.microsoft.com/office/powerpoint/2010/main" val="3840457021"/>
       </p:ext>
     </p:extLst>
   </p:cSld>
@@ -2165,7 +2165,7 @@
           <a:p>
             <a:fld id="{5829EFD3-DAAF-1A4D-98F0-A61E9156FD54}" type="datetimeFigureOut">
               <a:rPr lang="en-US" smtClean="0"/>
-              <a:t>6/29/23</a:t>
+              <a:t>7/5/23</a:t>
             </a:fld>
             <a:endParaRPr lang="en-US"/>
           </a:p>
@@ -2216,7 +2216,7 @@
     </p:spTree>
     <p:extLst>
       <p:ext uri="{BB962C8B-B14F-4D97-AF65-F5344CB8AC3E}">
-        <p14:creationId xmlns:p14="http://schemas.microsoft.com/office/powerpoint/2010/main" val="3704019797"/>
+        <p14:creationId xmlns:p14="http://schemas.microsoft.com/office/powerpoint/2010/main" val="825390579"/>
       </p:ext>
     </p:extLst>
   </p:cSld>
@@ -2260,7 +2260,7 @@
           <a:p>
             <a:fld id="{5829EFD3-DAAF-1A4D-98F0-A61E9156FD54}" type="datetimeFigureOut">
               <a:rPr lang="en-US" smtClean="0"/>
-              <a:t>6/29/23</a:t>
+              <a:t>7/5/23</a:t>
             </a:fld>
             <a:endParaRPr lang="en-US"/>
           </a:p>
@@ -2311,7 +2311,7 @@
     </p:spTree>
     <p:extLst>
       <p:ext uri="{BB962C8B-B14F-4D97-AF65-F5344CB8AC3E}">
-        <p14:creationId xmlns:p14="http://schemas.microsoft.com/office/powerpoint/2010/main" val="1319597417"/>
+        <p14:creationId xmlns:p14="http://schemas.microsoft.com/office/powerpoint/2010/main" val="2920477344"/>
       </p:ext>
     </p:extLst>
   </p:cSld>
@@ -2350,15 +2350,15 @@
         </p:nvSpPr>
         <p:spPr>
           <a:xfrm>
-            <a:off x="3471561" y="2399982"/>
-            <a:ext cx="16255296" cy="8399939"/>
+            <a:off x="3223561" y="3119967"/>
+            <a:ext cx="15094057" cy="10919883"/>
           </a:xfrm>
         </p:spPr>
         <p:txBody>
           <a:bodyPr anchor="b"/>
           <a:lstStyle>
             <a:lvl1pPr>
-              <a:defRPr sz="16798"/>
+              <a:defRPr sz="16378"/>
             </a:lvl1pPr>
           </a:lstStyle>
           <a:p>
@@ -2382,39 +2382,39 @@
         </p:nvSpPr>
         <p:spPr>
           <a:xfrm>
-            <a:off x="21426543" y="5183304"/>
-            <a:ext cx="25514975" cy="25583147"/>
+            <a:off x="19895883" y="6738272"/>
+            <a:ext cx="23692247" cy="33257978"/>
           </a:xfrm>
         </p:spPr>
         <p:txBody>
           <a:bodyPr/>
           <a:lstStyle>
             <a:lvl1pPr>
-              <a:defRPr sz="16798"/>
+              <a:defRPr sz="16378"/>
             </a:lvl1pPr>
             <a:lvl2pPr>
-              <a:defRPr sz="14698"/>
+              <a:defRPr sz="14331"/>
             </a:lvl2pPr>
             <a:lvl3pPr>
-              <a:defRPr sz="12598"/>
+              <a:defRPr sz="12283"/>
             </a:lvl3pPr>
             <a:lvl4pPr>
-              <a:defRPr sz="10499"/>
+              <a:defRPr sz="10236"/>
             </a:lvl4pPr>
             <a:lvl5pPr>
-              <a:defRPr sz="10499"/>
+              <a:defRPr sz="10236"/>
             </a:lvl5pPr>
             <a:lvl6pPr>
-              <a:defRPr sz="10499"/>
+              <a:defRPr sz="10236"/>
             </a:lvl6pPr>
             <a:lvl7pPr>
-              <a:defRPr sz="10499"/>
+              <a:defRPr sz="10236"/>
             </a:lvl7pPr>
             <a:lvl8pPr>
-              <a:defRPr sz="10499"/>
+              <a:defRPr sz="10236"/>
             </a:lvl8pPr>
             <a:lvl9pPr>
-              <a:defRPr sz="10499"/>
+              <a:defRPr sz="10236"/>
             </a:lvl9pPr>
           </a:lstStyle>
           <a:p>
@@ -2467,8 +2467,8 @@
         </p:nvSpPr>
         <p:spPr>
           <a:xfrm>
-            <a:off x="3471561" y="10799922"/>
-            <a:ext cx="16255296" cy="20008190"/>
+            <a:off x="3223561" y="14039850"/>
+            <a:ext cx="15094057" cy="26010559"/>
           </a:xfrm>
         </p:spPr>
         <p:txBody>
@@ -2476,39 +2476,39 @@
           <a:lstStyle>
             <a:lvl1pPr marL="0" indent="0">
               <a:buNone/>
-              <a:defRPr sz="8399"/>
+              <a:defRPr sz="8189"/>
             </a:lvl1pPr>
-            <a:lvl2pPr marL="2399980" indent="0">
-              <a:buNone/>
-              <a:defRPr sz="7349"/>
+            <a:lvl2pPr marL="2339995" indent="0">
+              <a:buNone/>
+              <a:defRPr sz="7165"/>
             </a:lvl2pPr>
-            <a:lvl3pPr marL="4799960" indent="0">
-              <a:buNone/>
-              <a:defRPr sz="6299"/>
+            <a:lvl3pPr marL="4679991" indent="0">
+              <a:buNone/>
+              <a:defRPr sz="6142"/>
             </a:lvl3pPr>
-            <a:lvl4pPr marL="7199940" indent="0">
-              <a:buNone/>
-              <a:defRPr sz="5249"/>
+            <a:lvl4pPr marL="7019986" indent="0">
+              <a:buNone/>
+              <a:defRPr sz="5118"/>
             </a:lvl4pPr>
-            <a:lvl5pPr marL="9599920" indent="0">
-              <a:buNone/>
-              <a:defRPr sz="5249"/>
+            <a:lvl5pPr marL="9359981" indent="0">
+              <a:buNone/>
+              <a:defRPr sz="5118"/>
             </a:lvl5pPr>
-            <a:lvl6pPr marL="11999900" indent="0">
-              <a:buNone/>
-              <a:defRPr sz="5249"/>
+            <a:lvl6pPr marL="11699977" indent="0">
+              <a:buNone/>
+              <a:defRPr sz="5118"/>
             </a:lvl6pPr>
-            <a:lvl7pPr marL="14399880" indent="0">
-              <a:buNone/>
-              <a:defRPr sz="5249"/>
+            <a:lvl7pPr marL="14039972" indent="0">
+              <a:buNone/>
+              <a:defRPr sz="5118"/>
             </a:lvl7pPr>
-            <a:lvl8pPr marL="16799860" indent="0">
-              <a:buNone/>
-              <a:defRPr sz="5249"/>
+            <a:lvl8pPr marL="16379967" indent="0">
+              <a:buNone/>
+              <a:defRPr sz="5118"/>
             </a:lvl8pPr>
-            <a:lvl9pPr marL="19199840" indent="0">
-              <a:buNone/>
-              <a:defRPr sz="5249"/>
+            <a:lvl9pPr marL="18719963" indent="0">
+              <a:buNone/>
+              <a:defRPr sz="5118"/>
             </a:lvl9pPr>
           </a:lstStyle>
           <a:p>
@@ -2537,7 +2537,7 @@
           <a:p>
             <a:fld id="{5829EFD3-DAAF-1A4D-98F0-A61E9156FD54}" type="datetimeFigureOut">
               <a:rPr lang="en-US" smtClean="0"/>
-              <a:t>6/29/23</a:t>
+              <a:t>7/5/23</a:t>
             </a:fld>
             <a:endParaRPr lang="en-US"/>
           </a:p>
@@ -2588,7 +2588,7 @@
     </p:spTree>
     <p:extLst>
       <p:ext uri="{BB962C8B-B14F-4D97-AF65-F5344CB8AC3E}">
-        <p14:creationId xmlns:p14="http://schemas.microsoft.com/office/powerpoint/2010/main" val="1902543414"/>
+        <p14:creationId xmlns:p14="http://schemas.microsoft.com/office/powerpoint/2010/main" val="946057337"/>
       </p:ext>
     </p:extLst>
   </p:cSld>
@@ -2627,15 +2627,15 @@
         </p:nvSpPr>
         <p:spPr>
           <a:xfrm>
-            <a:off x="3471561" y="2399982"/>
-            <a:ext cx="16255296" cy="8399939"/>
+            <a:off x="3223561" y="3119967"/>
+            <a:ext cx="15094057" cy="10919883"/>
           </a:xfrm>
         </p:spPr>
         <p:txBody>
           <a:bodyPr anchor="b"/>
           <a:lstStyle>
             <a:lvl1pPr>
-              <a:defRPr sz="16798"/>
+              <a:defRPr sz="16378"/>
             </a:lvl1pPr>
           </a:lstStyle>
           <a:p>
@@ -2659,8 +2659,8 @@
         </p:nvSpPr>
         <p:spPr>
           <a:xfrm>
-            <a:off x="21426543" y="5183304"/>
-            <a:ext cx="25514975" cy="25583147"/>
+            <a:off x="19895883" y="6738272"/>
+            <a:ext cx="23692247" cy="33257978"/>
           </a:xfrm>
         </p:spPr>
         <p:txBody>
@@ -2668,39 +2668,39 @@
           <a:lstStyle>
             <a:lvl1pPr marL="0" indent="0">
               <a:buNone/>
-              <a:defRPr sz="16798"/>
+              <a:defRPr sz="16378"/>
             </a:lvl1pPr>
-            <a:lvl2pPr marL="2399980" indent="0">
-              <a:buNone/>
-              <a:defRPr sz="14698"/>
+            <a:lvl2pPr marL="2339995" indent="0">
+              <a:buNone/>
+              <a:defRPr sz="14331"/>
             </a:lvl2pPr>
-            <a:lvl3pPr marL="4799960" indent="0">
-              <a:buNone/>
-              <a:defRPr sz="12598"/>
+            <a:lvl3pPr marL="4679991" indent="0">
+              <a:buNone/>
+              <a:defRPr sz="12283"/>
             </a:lvl3pPr>
-            <a:lvl4pPr marL="7199940" indent="0">
-              <a:buNone/>
-              <a:defRPr sz="10499"/>
+            <a:lvl4pPr marL="7019986" indent="0">
+              <a:buNone/>
+              <a:defRPr sz="10236"/>
             </a:lvl4pPr>
-            <a:lvl5pPr marL="9599920" indent="0">
-              <a:buNone/>
-              <a:defRPr sz="10499"/>
+            <a:lvl5pPr marL="9359981" indent="0">
+              <a:buNone/>
+              <a:defRPr sz="10236"/>
             </a:lvl5pPr>
-            <a:lvl6pPr marL="11999900" indent="0">
-              <a:buNone/>
-              <a:defRPr sz="10499"/>
+            <a:lvl6pPr marL="11699977" indent="0">
+              <a:buNone/>
+              <a:defRPr sz="10236"/>
             </a:lvl6pPr>
-            <a:lvl7pPr marL="14399880" indent="0">
-              <a:buNone/>
-              <a:defRPr sz="10499"/>
+            <a:lvl7pPr marL="14039972" indent="0">
+              <a:buNone/>
+              <a:defRPr sz="10236"/>
             </a:lvl7pPr>
-            <a:lvl8pPr marL="16799860" indent="0">
-              <a:buNone/>
-              <a:defRPr sz="10499"/>
+            <a:lvl8pPr marL="16379967" indent="0">
+              <a:buNone/>
+              <a:defRPr sz="10236"/>
             </a:lvl8pPr>
-            <a:lvl9pPr marL="19199840" indent="0">
-              <a:buNone/>
-              <a:defRPr sz="10499"/>
+            <a:lvl9pPr marL="18719963" indent="0">
+              <a:buNone/>
+              <a:defRPr sz="10236"/>
             </a:lvl9pPr>
           </a:lstStyle>
           <a:p>
@@ -2724,8 +2724,8 @@
         </p:nvSpPr>
         <p:spPr>
           <a:xfrm>
-            <a:off x="3471561" y="10799922"/>
-            <a:ext cx="16255296" cy="20008190"/>
+            <a:off x="3223561" y="14039850"/>
+            <a:ext cx="15094057" cy="26010559"/>
           </a:xfrm>
         </p:spPr>
         <p:txBody>
@@ -2733,39 +2733,39 @@
           <a:lstStyle>
             <a:lvl1pPr marL="0" indent="0">
               <a:buNone/>
-              <a:defRPr sz="8399"/>
+              <a:defRPr sz="8189"/>
             </a:lvl1pPr>
-            <a:lvl2pPr marL="2399980" indent="0">
-              <a:buNone/>
-              <a:defRPr sz="7349"/>
+            <a:lvl2pPr marL="2339995" indent="0">
+              <a:buNone/>
+              <a:defRPr sz="7165"/>
             </a:lvl2pPr>
-            <a:lvl3pPr marL="4799960" indent="0">
-              <a:buNone/>
-              <a:defRPr sz="6299"/>
+            <a:lvl3pPr marL="4679991" indent="0">
+              <a:buNone/>
+              <a:defRPr sz="6142"/>
             </a:lvl3pPr>
-            <a:lvl4pPr marL="7199940" indent="0">
-              <a:buNone/>
-              <a:defRPr sz="5249"/>
+            <a:lvl4pPr marL="7019986" indent="0">
+              <a:buNone/>
+              <a:defRPr sz="5118"/>
             </a:lvl4pPr>
-            <a:lvl5pPr marL="9599920" indent="0">
-              <a:buNone/>
-              <a:defRPr sz="5249"/>
+            <a:lvl5pPr marL="9359981" indent="0">
+              <a:buNone/>
+              <a:defRPr sz="5118"/>
             </a:lvl5pPr>
-            <a:lvl6pPr marL="11999900" indent="0">
-              <a:buNone/>
-              <a:defRPr sz="5249"/>
+            <a:lvl6pPr marL="11699977" indent="0">
+              <a:buNone/>
+              <a:defRPr sz="5118"/>
             </a:lvl6pPr>
-            <a:lvl7pPr marL="14399880" indent="0">
-              <a:buNone/>
-              <a:defRPr sz="5249"/>
+            <a:lvl7pPr marL="14039972" indent="0">
+              <a:buNone/>
+              <a:defRPr sz="5118"/>
             </a:lvl7pPr>
-            <a:lvl8pPr marL="16799860" indent="0">
-              <a:buNone/>
-              <a:defRPr sz="5249"/>
+            <a:lvl8pPr marL="16379967" indent="0">
+              <a:buNone/>
+              <a:defRPr sz="5118"/>
             </a:lvl8pPr>
-            <a:lvl9pPr marL="19199840" indent="0">
-              <a:buNone/>
-              <a:defRPr sz="5249"/>
+            <a:lvl9pPr marL="18719963" indent="0">
+              <a:buNone/>
+              <a:defRPr sz="5118"/>
             </a:lvl9pPr>
           </a:lstStyle>
           <a:p>
@@ -2794,7 +2794,7 @@
           <a:p>
             <a:fld id="{5829EFD3-DAAF-1A4D-98F0-A61E9156FD54}" type="datetimeFigureOut">
               <a:rPr lang="en-US" smtClean="0"/>
-              <a:t>6/29/23</a:t>
+              <a:t>7/5/23</a:t>
             </a:fld>
             <a:endParaRPr lang="en-US"/>
           </a:p>
@@ -2845,7 +2845,7 @@
     </p:spTree>
     <p:extLst>
       <p:ext uri="{BB962C8B-B14F-4D97-AF65-F5344CB8AC3E}">
-        <p14:creationId xmlns:p14="http://schemas.microsoft.com/office/powerpoint/2010/main" val="1417022442"/>
+        <p14:creationId xmlns:p14="http://schemas.microsoft.com/office/powerpoint/2010/main" val="2087408580"/>
       </p:ext>
     </p:extLst>
   </p:cSld>
@@ -2889,8 +2889,8 @@
         </p:nvSpPr>
         <p:spPr>
           <a:xfrm>
-            <a:off x="3464997" y="1916661"/>
-            <a:ext cx="43469957" cy="6958285"/>
+            <a:off x="3217466" y="2491650"/>
+            <a:ext cx="40364569" cy="9045740"/>
           </a:xfrm>
           <a:prstGeom prst="rect">
             <a:avLst/>
@@ -2922,8 +2922,8 @@
         </p:nvSpPr>
         <p:spPr>
           <a:xfrm>
-            <a:off x="3464997" y="9583264"/>
-            <a:ext cx="43469957" cy="22841503"/>
+            <a:off x="3217466" y="12458200"/>
+            <a:ext cx="40364569" cy="29693853"/>
           </a:xfrm>
           <a:prstGeom prst="rect">
             <a:avLst/>
@@ -2984,8 +2984,8 @@
         </p:nvSpPr>
         <p:spPr>
           <a:xfrm>
-            <a:off x="3464996" y="33366432"/>
-            <a:ext cx="11339989" cy="1916653"/>
+            <a:off x="3217465" y="43376214"/>
+            <a:ext cx="10529888" cy="2491640"/>
           </a:xfrm>
           <a:prstGeom prst="rect">
             <a:avLst/>
@@ -2995,7 +2995,7 @@
           <a:bodyPr vert="horz" lIns="91440" tIns="45720" rIns="91440" bIns="45720" rtlCol="0" anchor="ctr"/>
           <a:lstStyle>
             <a:lvl1pPr algn="l">
-              <a:defRPr sz="6299">
+              <a:defRPr sz="6142">
                 <a:solidFill>
                   <a:schemeClr val="tx1">
                     <a:tint val="75000"/>
@@ -3007,7 +3007,7 @@
           <a:p>
             <a:fld id="{5829EFD3-DAAF-1A4D-98F0-A61E9156FD54}" type="datetimeFigureOut">
               <a:rPr lang="en-US" smtClean="0"/>
-              <a:t>6/29/23</a:t>
+              <a:t>7/5/23</a:t>
             </a:fld>
             <a:endParaRPr lang="en-US"/>
           </a:p>
@@ -3025,8 +3025,8 @@
         </p:nvSpPr>
         <p:spPr>
           <a:xfrm>
-            <a:off x="16694984" y="33366432"/>
-            <a:ext cx="17009983" cy="1916653"/>
+            <a:off x="15502335" y="43376214"/>
+            <a:ext cx="15794831" cy="2491640"/>
           </a:xfrm>
           <a:prstGeom prst="rect">
             <a:avLst/>
@@ -3036,7 +3036,7 @@
           <a:bodyPr vert="horz" lIns="91440" tIns="45720" rIns="91440" bIns="45720" rtlCol="0" anchor="ctr"/>
           <a:lstStyle>
             <a:lvl1pPr algn="ctr">
-              <a:defRPr sz="6299">
+              <a:defRPr sz="6142">
                 <a:solidFill>
                   <a:schemeClr val="tx1">
                     <a:tint val="75000"/>
@@ -3062,8 +3062,8 @@
         </p:nvSpPr>
         <p:spPr>
           <a:xfrm>
-            <a:off x="35594965" y="33366432"/>
-            <a:ext cx="11339989" cy="1916653"/>
+            <a:off x="33052147" y="43376214"/>
+            <a:ext cx="10529888" cy="2491640"/>
           </a:xfrm>
           <a:prstGeom prst="rect">
             <a:avLst/>
@@ -3073,7 +3073,7 @@
           <a:bodyPr vert="horz" lIns="91440" tIns="45720" rIns="91440" bIns="45720" rtlCol="0" anchor="ctr"/>
           <a:lstStyle>
             <a:lvl1pPr algn="r">
-              <a:defRPr sz="6299">
+              <a:defRPr sz="6142">
                 <a:solidFill>
                   <a:schemeClr val="tx1">
                     <a:tint val="75000"/>
@@ -3094,27 +3094,27 @@
     </p:spTree>
     <p:extLst>
       <p:ext uri="{BB962C8B-B14F-4D97-AF65-F5344CB8AC3E}">
-        <p14:creationId xmlns:p14="http://schemas.microsoft.com/office/powerpoint/2010/main" val="2355768624"/>
+        <p14:creationId xmlns:p14="http://schemas.microsoft.com/office/powerpoint/2010/main" val="3950004594"/>
       </p:ext>
     </p:extLst>
   </p:cSld>
   <p:clrMap bg1="lt1" tx1="dk1" bg2="lt2" tx2="dk2" accent1="accent1" accent2="accent2" accent3="accent3" accent4="accent4" accent5="accent5" accent6="accent6" hlink="hlink" folHlink="folHlink"/>
   <p:sldLayoutIdLst>
-    <p:sldLayoutId id="2147483685" r:id="rId1"/>
-    <p:sldLayoutId id="2147483686" r:id="rId2"/>
-    <p:sldLayoutId id="2147483687" r:id="rId3"/>
-    <p:sldLayoutId id="2147483688" r:id="rId4"/>
-    <p:sldLayoutId id="2147483689" r:id="rId5"/>
-    <p:sldLayoutId id="2147483690" r:id="rId6"/>
-    <p:sldLayoutId id="2147483691" r:id="rId7"/>
-    <p:sldLayoutId id="2147483692" r:id="rId8"/>
-    <p:sldLayoutId id="2147483693" r:id="rId9"/>
-    <p:sldLayoutId id="2147483694" r:id="rId10"/>
-    <p:sldLayoutId id="2147483695" r:id="rId11"/>
+    <p:sldLayoutId id="2147483709" r:id="rId1"/>
+    <p:sldLayoutId id="2147483710" r:id="rId2"/>
+    <p:sldLayoutId id="2147483711" r:id="rId3"/>
+    <p:sldLayoutId id="2147483712" r:id="rId4"/>
+    <p:sldLayoutId id="2147483713" r:id="rId5"/>
+    <p:sldLayoutId id="2147483714" r:id="rId6"/>
+    <p:sldLayoutId id="2147483715" r:id="rId7"/>
+    <p:sldLayoutId id="2147483716" r:id="rId8"/>
+    <p:sldLayoutId id="2147483717" r:id="rId9"/>
+    <p:sldLayoutId id="2147483718" r:id="rId10"/>
+    <p:sldLayoutId id="2147483719" r:id="rId11"/>
   </p:sldLayoutIdLst>
   <p:txStyles>
     <p:titleStyle>
-      <a:lvl1pPr algn="l" defTabSz="4799960" rtl="0" eaLnBrk="1" latinLnBrk="0" hangingPunct="1">
+      <a:lvl1pPr algn="l" defTabSz="4679991" rtl="0" eaLnBrk="1" latinLnBrk="0" hangingPunct="1">
         <a:lnSpc>
           <a:spcPct val="90000"/>
         </a:lnSpc>
@@ -3122,7 +3122,7 @@
           <a:spcPct val="0"/>
         </a:spcBef>
         <a:buNone/>
-        <a:defRPr sz="23097" kern="1200">
+        <a:defRPr sz="22520" kern="1200">
           <a:solidFill>
             <a:schemeClr val="tx1"/>
           </a:solidFill>
@@ -3133,16 +3133,16 @@
       </a:lvl1pPr>
     </p:titleStyle>
     <p:bodyStyle>
-      <a:lvl1pPr marL="1199990" indent="-1199990" algn="l" defTabSz="4799960" rtl="0" eaLnBrk="1" latinLnBrk="0" hangingPunct="1">
+      <a:lvl1pPr marL="1169998" indent="-1169998" algn="l" defTabSz="4679991" rtl="0" eaLnBrk="1" latinLnBrk="0" hangingPunct="1">
         <a:lnSpc>
           <a:spcPct val="90000"/>
         </a:lnSpc>
         <a:spcBef>
-          <a:spcPts val="5249"/>
+          <a:spcPts val="5118"/>
         </a:spcBef>
         <a:buFont typeface="Arial" panose="020B0604020202020204" pitchFamily="34" charset="0"/>
         <a:buChar char="•"/>
-        <a:defRPr sz="14698" kern="1200">
+        <a:defRPr sz="14331" kern="1200">
           <a:solidFill>
             <a:schemeClr val="tx1"/>
           </a:solidFill>
@@ -3151,16 +3151,16 @@
           <a:cs typeface="+mn-cs"/>
         </a:defRPr>
       </a:lvl1pPr>
-      <a:lvl2pPr marL="3599970" indent="-1199990" algn="l" defTabSz="4799960" rtl="0" eaLnBrk="1" latinLnBrk="0" hangingPunct="1">
+      <a:lvl2pPr marL="3509993" indent="-1169998" algn="l" defTabSz="4679991" rtl="0" eaLnBrk="1" latinLnBrk="0" hangingPunct="1">
         <a:lnSpc>
           <a:spcPct val="90000"/>
         </a:lnSpc>
         <a:spcBef>
-          <a:spcPts val="2625"/>
+          <a:spcPts val="2559"/>
         </a:spcBef>
         <a:buFont typeface="Arial" panose="020B0604020202020204" pitchFamily="34" charset="0"/>
         <a:buChar char="•"/>
-        <a:defRPr sz="12598" kern="1200">
+        <a:defRPr sz="12283" kern="1200">
           <a:solidFill>
             <a:schemeClr val="tx1"/>
           </a:solidFill>
@@ -3169,16 +3169,16 @@
           <a:cs typeface="+mn-cs"/>
         </a:defRPr>
       </a:lvl2pPr>
-      <a:lvl3pPr marL="5999950" indent="-1199990" algn="l" defTabSz="4799960" rtl="0" eaLnBrk="1" latinLnBrk="0" hangingPunct="1">
+      <a:lvl3pPr marL="5849988" indent="-1169998" algn="l" defTabSz="4679991" rtl="0" eaLnBrk="1" latinLnBrk="0" hangingPunct="1">
         <a:lnSpc>
           <a:spcPct val="90000"/>
         </a:lnSpc>
         <a:spcBef>
-          <a:spcPts val="2625"/>
+          <a:spcPts val="2559"/>
         </a:spcBef>
         <a:buFont typeface="Arial" panose="020B0604020202020204" pitchFamily="34" charset="0"/>
         <a:buChar char="•"/>
-        <a:defRPr sz="10499" kern="1200">
+        <a:defRPr sz="10236" kern="1200">
           <a:solidFill>
             <a:schemeClr val="tx1"/>
           </a:solidFill>
@@ -3187,16 +3187,16 @@
           <a:cs typeface="+mn-cs"/>
         </a:defRPr>
       </a:lvl3pPr>
-      <a:lvl4pPr marL="8399930" indent="-1199990" algn="l" defTabSz="4799960" rtl="0" eaLnBrk="1" latinLnBrk="0" hangingPunct="1">
+      <a:lvl4pPr marL="8189984" indent="-1169998" algn="l" defTabSz="4679991" rtl="0" eaLnBrk="1" latinLnBrk="0" hangingPunct="1">
         <a:lnSpc>
           <a:spcPct val="90000"/>
         </a:lnSpc>
         <a:spcBef>
-          <a:spcPts val="2625"/>
+          <a:spcPts val="2559"/>
         </a:spcBef>
         <a:buFont typeface="Arial" panose="020B0604020202020204" pitchFamily="34" charset="0"/>
         <a:buChar char="•"/>
-        <a:defRPr sz="9449" kern="1200">
+        <a:defRPr sz="9213" kern="1200">
           <a:solidFill>
             <a:schemeClr val="tx1"/>
           </a:solidFill>
@@ -3205,16 +3205,16 @@
           <a:cs typeface="+mn-cs"/>
         </a:defRPr>
       </a:lvl4pPr>
-      <a:lvl5pPr marL="10799910" indent="-1199990" algn="l" defTabSz="4799960" rtl="0" eaLnBrk="1" latinLnBrk="0" hangingPunct="1">
+      <a:lvl5pPr marL="10529979" indent="-1169998" algn="l" defTabSz="4679991" rtl="0" eaLnBrk="1" latinLnBrk="0" hangingPunct="1">
         <a:lnSpc>
           <a:spcPct val="90000"/>
         </a:lnSpc>
         <a:spcBef>
-          <a:spcPts val="2625"/>
+          <a:spcPts val="2559"/>
         </a:spcBef>
         <a:buFont typeface="Arial" panose="020B0604020202020204" pitchFamily="34" charset="0"/>
         <a:buChar char="•"/>
-        <a:defRPr sz="9449" kern="1200">
+        <a:defRPr sz="9213" kern="1200">
           <a:solidFill>
             <a:schemeClr val="tx1"/>
           </a:solidFill>
@@ -3223,16 +3223,16 @@
           <a:cs typeface="+mn-cs"/>
         </a:defRPr>
       </a:lvl5pPr>
-      <a:lvl6pPr marL="13199890" indent="-1199990" algn="l" defTabSz="4799960" rtl="0" eaLnBrk="1" latinLnBrk="0" hangingPunct="1">
+      <a:lvl6pPr marL="12869974" indent="-1169998" algn="l" defTabSz="4679991" rtl="0" eaLnBrk="1" latinLnBrk="0" hangingPunct="1">
         <a:lnSpc>
           <a:spcPct val="90000"/>
         </a:lnSpc>
         <a:spcBef>
-          <a:spcPts val="2625"/>
+          <a:spcPts val="2559"/>
         </a:spcBef>
         <a:buFont typeface="Arial" panose="020B0604020202020204" pitchFamily="34" charset="0"/>
         <a:buChar char="•"/>
-        <a:defRPr sz="9449" kern="1200">
+        <a:defRPr sz="9213" kern="1200">
           <a:solidFill>
             <a:schemeClr val="tx1"/>
           </a:solidFill>
@@ -3241,16 +3241,16 @@
           <a:cs typeface="+mn-cs"/>
         </a:defRPr>
       </a:lvl6pPr>
-      <a:lvl7pPr marL="15599870" indent="-1199990" algn="l" defTabSz="4799960" rtl="0" eaLnBrk="1" latinLnBrk="0" hangingPunct="1">
+      <a:lvl7pPr marL="15209970" indent="-1169998" algn="l" defTabSz="4679991" rtl="0" eaLnBrk="1" latinLnBrk="0" hangingPunct="1">
         <a:lnSpc>
           <a:spcPct val="90000"/>
         </a:lnSpc>
         <a:spcBef>
-          <a:spcPts val="2625"/>
+          <a:spcPts val="2559"/>
         </a:spcBef>
         <a:buFont typeface="Arial" panose="020B0604020202020204" pitchFamily="34" charset="0"/>
         <a:buChar char="•"/>
-        <a:defRPr sz="9449" kern="1200">
+        <a:defRPr sz="9213" kern="1200">
           <a:solidFill>
             <a:schemeClr val="tx1"/>
           </a:solidFill>
@@ -3259,16 +3259,16 @@
           <a:cs typeface="+mn-cs"/>
         </a:defRPr>
       </a:lvl7pPr>
-      <a:lvl8pPr marL="17999850" indent="-1199990" algn="l" defTabSz="4799960" rtl="0" eaLnBrk="1" latinLnBrk="0" hangingPunct="1">
+      <a:lvl8pPr marL="17549965" indent="-1169998" algn="l" defTabSz="4679991" rtl="0" eaLnBrk="1" latinLnBrk="0" hangingPunct="1">
         <a:lnSpc>
           <a:spcPct val="90000"/>
         </a:lnSpc>
         <a:spcBef>
-          <a:spcPts val="2625"/>
+          <a:spcPts val="2559"/>
         </a:spcBef>
         <a:buFont typeface="Arial" panose="020B0604020202020204" pitchFamily="34" charset="0"/>
         <a:buChar char="•"/>
-        <a:defRPr sz="9449" kern="1200">
+        <a:defRPr sz="9213" kern="1200">
           <a:solidFill>
             <a:schemeClr val="tx1"/>
           </a:solidFill>
@@ -3277,16 +3277,16 @@
           <a:cs typeface="+mn-cs"/>
         </a:defRPr>
       </a:lvl8pPr>
-      <a:lvl9pPr marL="20399830" indent="-1199990" algn="l" defTabSz="4799960" rtl="0" eaLnBrk="1" latinLnBrk="0" hangingPunct="1">
+      <a:lvl9pPr marL="19889960" indent="-1169998" algn="l" defTabSz="4679991" rtl="0" eaLnBrk="1" latinLnBrk="0" hangingPunct="1">
         <a:lnSpc>
           <a:spcPct val="90000"/>
         </a:lnSpc>
         <a:spcBef>
-          <a:spcPts val="2625"/>
+          <a:spcPts val="2559"/>
         </a:spcBef>
         <a:buFont typeface="Arial" panose="020B0604020202020204" pitchFamily="34" charset="0"/>
         <a:buChar char="•"/>
-        <a:defRPr sz="9449" kern="1200">
+        <a:defRPr sz="9213" kern="1200">
           <a:solidFill>
             <a:schemeClr val="tx1"/>
           </a:solidFill>
@@ -3300,8 +3300,8 @@
       <a:defPPr>
         <a:defRPr lang="en-US"/>
       </a:defPPr>
-      <a:lvl1pPr marL="0" algn="l" defTabSz="4799960" rtl="0" eaLnBrk="1" latinLnBrk="0" hangingPunct="1">
-        <a:defRPr sz="9449" kern="1200">
+      <a:lvl1pPr marL="0" algn="l" defTabSz="4679991" rtl="0" eaLnBrk="1" latinLnBrk="0" hangingPunct="1">
+        <a:defRPr sz="9213" kern="1200">
           <a:solidFill>
             <a:schemeClr val="tx1"/>
           </a:solidFill>
@@ -3310,8 +3310,8 @@
           <a:cs typeface="+mn-cs"/>
         </a:defRPr>
       </a:lvl1pPr>
-      <a:lvl2pPr marL="2399980" algn="l" defTabSz="4799960" rtl="0" eaLnBrk="1" latinLnBrk="0" hangingPunct="1">
-        <a:defRPr sz="9449" kern="1200">
+      <a:lvl2pPr marL="2339995" algn="l" defTabSz="4679991" rtl="0" eaLnBrk="1" latinLnBrk="0" hangingPunct="1">
+        <a:defRPr sz="9213" kern="1200">
           <a:solidFill>
             <a:schemeClr val="tx1"/>
           </a:solidFill>
@@ -3320,8 +3320,8 @@
           <a:cs typeface="+mn-cs"/>
         </a:defRPr>
       </a:lvl2pPr>
-      <a:lvl3pPr marL="4799960" algn="l" defTabSz="4799960" rtl="0" eaLnBrk="1" latinLnBrk="0" hangingPunct="1">
-        <a:defRPr sz="9449" kern="1200">
+      <a:lvl3pPr marL="4679991" algn="l" defTabSz="4679991" rtl="0" eaLnBrk="1" latinLnBrk="0" hangingPunct="1">
+        <a:defRPr sz="9213" kern="1200">
           <a:solidFill>
             <a:schemeClr val="tx1"/>
           </a:solidFill>
@@ -3330,8 +3330,8 @@
           <a:cs typeface="+mn-cs"/>
         </a:defRPr>
       </a:lvl3pPr>
-      <a:lvl4pPr marL="7199940" algn="l" defTabSz="4799960" rtl="0" eaLnBrk="1" latinLnBrk="0" hangingPunct="1">
-        <a:defRPr sz="9449" kern="1200">
+      <a:lvl4pPr marL="7019986" algn="l" defTabSz="4679991" rtl="0" eaLnBrk="1" latinLnBrk="0" hangingPunct="1">
+        <a:defRPr sz="9213" kern="1200">
           <a:solidFill>
             <a:schemeClr val="tx1"/>
           </a:solidFill>
@@ -3340,8 +3340,8 @@
           <a:cs typeface="+mn-cs"/>
         </a:defRPr>
       </a:lvl4pPr>
-      <a:lvl5pPr marL="9599920" algn="l" defTabSz="4799960" rtl="0" eaLnBrk="1" latinLnBrk="0" hangingPunct="1">
-        <a:defRPr sz="9449" kern="1200">
+      <a:lvl5pPr marL="9359981" algn="l" defTabSz="4679991" rtl="0" eaLnBrk="1" latinLnBrk="0" hangingPunct="1">
+        <a:defRPr sz="9213" kern="1200">
           <a:solidFill>
             <a:schemeClr val="tx1"/>
           </a:solidFill>
@@ -3350,8 +3350,8 @@
           <a:cs typeface="+mn-cs"/>
         </a:defRPr>
       </a:lvl5pPr>
-      <a:lvl6pPr marL="11999900" algn="l" defTabSz="4799960" rtl="0" eaLnBrk="1" latinLnBrk="0" hangingPunct="1">
-        <a:defRPr sz="9449" kern="1200">
+      <a:lvl6pPr marL="11699977" algn="l" defTabSz="4679991" rtl="0" eaLnBrk="1" latinLnBrk="0" hangingPunct="1">
+        <a:defRPr sz="9213" kern="1200">
           <a:solidFill>
             <a:schemeClr val="tx1"/>
           </a:solidFill>
@@ -3360,8 +3360,8 @@
           <a:cs typeface="+mn-cs"/>
         </a:defRPr>
       </a:lvl6pPr>
-      <a:lvl7pPr marL="14399880" algn="l" defTabSz="4799960" rtl="0" eaLnBrk="1" latinLnBrk="0" hangingPunct="1">
-        <a:defRPr sz="9449" kern="1200">
+      <a:lvl7pPr marL="14039972" algn="l" defTabSz="4679991" rtl="0" eaLnBrk="1" latinLnBrk="0" hangingPunct="1">
+        <a:defRPr sz="9213" kern="1200">
           <a:solidFill>
             <a:schemeClr val="tx1"/>
           </a:solidFill>
@@ -3370,8 +3370,8 @@
           <a:cs typeface="+mn-cs"/>
         </a:defRPr>
       </a:lvl7pPr>
-      <a:lvl8pPr marL="16799860" algn="l" defTabSz="4799960" rtl="0" eaLnBrk="1" latinLnBrk="0" hangingPunct="1">
-        <a:defRPr sz="9449" kern="1200">
+      <a:lvl8pPr marL="16379967" algn="l" defTabSz="4679991" rtl="0" eaLnBrk="1" latinLnBrk="0" hangingPunct="1">
+        <a:defRPr sz="9213" kern="1200">
           <a:solidFill>
             <a:schemeClr val="tx1"/>
           </a:solidFill>
@@ -3380,8 +3380,8 @@
           <a:cs typeface="+mn-cs"/>
         </a:defRPr>
       </a:lvl8pPr>
-      <a:lvl9pPr marL="19199840" algn="l" defTabSz="4799960" rtl="0" eaLnBrk="1" latinLnBrk="0" hangingPunct="1">
-        <a:defRPr sz="9449" kern="1200">
+      <a:lvl9pPr marL="18719963" algn="l" defTabSz="4679991" rtl="0" eaLnBrk="1" latinLnBrk="0" hangingPunct="1">
+        <a:defRPr sz="9213" kern="1200">
           <a:solidFill>
             <a:schemeClr val="tx1"/>
           </a:solidFill>
@@ -3412,392 +3412,928 @@
           <a:chExt cx="0" cy="0"/>
         </a:xfrm>
       </p:grpSpPr>
-      <p:pic>
-        <p:nvPicPr>
-          <p:cNvPr id="5" name="Picture 4" descr="A picture containing text, diagram, line, plot&#10;&#10;Description automatically generated">
+      <p:grpSp>
+        <p:nvGrpSpPr>
+          <p:cNvPr id="40" name="Group 39">
             <a:extLst>
               <a:ext uri="{FF2B5EF4-FFF2-40B4-BE49-F238E27FC236}">
-                <a16:creationId xmlns:a16="http://schemas.microsoft.com/office/drawing/2014/main" id="{D5307EE8-18F2-4858-4A99-D08DB3911E5A}"/>
+                <a16:creationId xmlns:a16="http://schemas.microsoft.com/office/drawing/2014/main" id="{F037A775-F54D-5271-F518-7939AB57B7D7}"/>
               </a:ext>
             </a:extLst>
           </p:cNvPr>
-          <p:cNvPicPr>
-            <a:picLocks noChangeAspect="1"/>
-          </p:cNvPicPr>
+          <p:cNvGrpSpPr/>
           <p:nvPr/>
-        </p:nvPicPr>
-        <p:blipFill>
-          <a:blip r:embed="rId3"/>
-          <a:stretch>
-            <a:fillRect/>
-          </a:stretch>
-        </p:blipFill>
-        <p:spPr>
+        </p:nvGrpSpPr>
+        <p:grpSpPr>
           <a:xfrm>
-            <a:off x="2409988" y="12748221"/>
-            <a:ext cx="33462598" cy="11754810"/>
+            <a:off x="0" y="-497975"/>
+            <a:ext cx="34267594" cy="44857857"/>
+            <a:chOff x="513081" y="-391160"/>
+            <a:chExt cx="36903920" cy="48308930"/>
           </a:xfrm>
-          <a:prstGeom prst="rect">
-            <a:avLst/>
-          </a:prstGeom>
-        </p:spPr>
-      </p:pic>
-      <p:sp>
-        <p:nvSpPr>
-          <p:cNvPr id="13" name="TextBox 12">
-            <a:extLst>
-              <a:ext uri="{FF2B5EF4-FFF2-40B4-BE49-F238E27FC236}">
-                <a16:creationId xmlns:a16="http://schemas.microsoft.com/office/drawing/2014/main" id="{39F6D17D-EE6F-26CE-4CE4-126B5907638D}"/>
-              </a:ext>
-            </a:extLst>
-          </p:cNvPr>
-          <p:cNvSpPr txBox="1"/>
-          <p:nvPr/>
-        </p:nvSpPr>
-        <p:spPr>
-          <a:xfrm>
-            <a:off x="562238" y="-391160"/>
-            <a:ext cx="944489" cy="1938992"/>
-          </a:xfrm>
-          <a:prstGeom prst="rect">
-            <a:avLst/>
-          </a:prstGeom>
-          <a:noFill/>
-        </p:spPr>
-        <p:txBody>
-          <a:bodyPr wrap="none" rtlCol="0">
-            <a:spAutoFit/>
-          </a:bodyPr>
-          <a:lstStyle/>
-          <a:p>
-            <a:r>
-              <a:rPr lang="en-US" sz="12000" b="1" dirty="0"/>
-              <a:t>a</a:t>
-            </a:r>
-          </a:p>
-        </p:txBody>
-      </p:sp>
-      <p:sp>
-        <p:nvSpPr>
-          <p:cNvPr id="15" name="Rectangle 14">
-            <a:extLst>
-              <a:ext uri="{FF2B5EF4-FFF2-40B4-BE49-F238E27FC236}">
-                <a16:creationId xmlns:a16="http://schemas.microsoft.com/office/drawing/2014/main" id="{D3A1F978-E7FE-44DD-AEA0-D7325EF67A1C}"/>
-              </a:ext>
-            </a:extLst>
-          </p:cNvPr>
-          <p:cNvSpPr/>
-          <p:nvPr/>
-        </p:nvSpPr>
-        <p:spPr>
-          <a:xfrm>
-            <a:off x="12942943" y="21655348"/>
-            <a:ext cx="21876779" cy="1973740"/>
-          </a:xfrm>
-          <a:prstGeom prst="rect">
-            <a:avLst/>
-          </a:prstGeom>
-          <a:solidFill>
-            <a:schemeClr val="bg1"/>
-          </a:solidFill>
-          <a:ln>
+        </p:grpSpPr>
+        <p:pic>
+          <p:nvPicPr>
+            <p:cNvPr id="32" name="Picture 31" descr="A graph with a number of points&#10;&#10;Description automatically generated">
+              <a:extLst>
+                <a:ext uri="{FF2B5EF4-FFF2-40B4-BE49-F238E27FC236}">
+                  <a16:creationId xmlns:a16="http://schemas.microsoft.com/office/drawing/2014/main" id="{A043A475-938F-59B8-1F32-57C2D2448967}"/>
+                </a:ext>
+              </a:extLst>
+            </p:cNvPr>
+            <p:cNvPicPr>
+              <a:picLocks noChangeAspect="1"/>
+            </p:cNvPicPr>
+            <p:nvPr/>
+          </p:nvPicPr>
+          <p:blipFill>
+            <a:blip r:embed="rId3"/>
+            <a:stretch>
+              <a:fillRect/>
+            </a:stretch>
+          </p:blipFill>
+          <p:spPr>
+            <a:xfrm>
+              <a:off x="18974218" y="39779748"/>
+              <a:ext cx="16211872" cy="8105936"/>
+            </a:xfrm>
+            <a:prstGeom prst="rect">
+              <a:avLst/>
+            </a:prstGeom>
+          </p:spPr>
+        </p:pic>
+        <p:pic>
+          <p:nvPicPr>
+            <p:cNvPr id="34" name="Picture 33" descr="A graph with orange and green lines&#10;&#10;Description automatically generated">
+              <a:extLst>
+                <a:ext uri="{FF2B5EF4-FFF2-40B4-BE49-F238E27FC236}">
+                  <a16:creationId xmlns:a16="http://schemas.microsoft.com/office/drawing/2014/main" id="{3F4A2F30-6D6E-A642-4EA7-34D0F27F6409}"/>
+                </a:ext>
+              </a:extLst>
+            </p:cNvPr>
+            <p:cNvPicPr>
+              <a:picLocks noChangeAspect="1"/>
+            </p:cNvPicPr>
+            <p:nvPr/>
+          </p:nvPicPr>
+          <p:blipFill>
+            <a:blip r:embed="rId4"/>
+            <a:stretch>
+              <a:fillRect/>
+            </a:stretch>
+          </p:blipFill>
+          <p:spPr>
+            <a:xfrm>
+              <a:off x="2985470" y="39779748"/>
+              <a:ext cx="16211872" cy="8105936"/>
+            </a:xfrm>
+            <a:prstGeom prst="rect">
+              <a:avLst/>
+            </a:prstGeom>
+          </p:spPr>
+        </p:pic>
+        <p:pic>
+          <p:nvPicPr>
+            <p:cNvPr id="36" name="Picture 35" descr="A graph with green and orange bars&#10;&#10;Description automatically generated">
+              <a:extLst>
+                <a:ext uri="{FF2B5EF4-FFF2-40B4-BE49-F238E27FC236}">
+                  <a16:creationId xmlns:a16="http://schemas.microsoft.com/office/drawing/2014/main" id="{1621FB37-768A-783C-1388-A8A886D89E6D}"/>
+                </a:ext>
+              </a:extLst>
+            </p:cNvPr>
+            <p:cNvPicPr>
+              <a:picLocks noChangeAspect="1"/>
+            </p:cNvPicPr>
+            <p:nvPr/>
+          </p:nvPicPr>
+          <p:blipFill>
+            <a:blip r:embed="rId5"/>
+            <a:stretch>
+              <a:fillRect/>
+            </a:stretch>
+          </p:blipFill>
+          <p:spPr>
+            <a:xfrm>
+              <a:off x="19023302" y="31573392"/>
+              <a:ext cx="16211872" cy="8105936"/>
+            </a:xfrm>
+            <a:prstGeom prst="rect">
+              <a:avLst/>
+            </a:prstGeom>
+          </p:spPr>
+        </p:pic>
+        <p:pic>
+          <p:nvPicPr>
+            <p:cNvPr id="38" name="Picture 37" descr="A graph with green and orange lines&#10;&#10;Description automatically generated">
+              <a:extLst>
+                <a:ext uri="{FF2B5EF4-FFF2-40B4-BE49-F238E27FC236}">
+                  <a16:creationId xmlns:a16="http://schemas.microsoft.com/office/drawing/2014/main" id="{55445E4D-58DE-3B8C-A51A-0B82FC2A226C}"/>
+                </a:ext>
+              </a:extLst>
+            </p:cNvPr>
+            <p:cNvPicPr>
+              <a:picLocks noChangeAspect="1"/>
+            </p:cNvPicPr>
+            <p:nvPr/>
+          </p:nvPicPr>
+          <p:blipFill>
+            <a:blip r:embed="rId6"/>
+            <a:stretch>
+              <a:fillRect/>
+            </a:stretch>
+          </p:blipFill>
+          <p:spPr>
+            <a:xfrm>
+              <a:off x="2941365" y="31573392"/>
+              <a:ext cx="16211872" cy="8105936"/>
+            </a:xfrm>
+            <a:prstGeom prst="rect">
+              <a:avLst/>
+            </a:prstGeom>
+          </p:spPr>
+        </p:pic>
+        <p:pic>
+          <p:nvPicPr>
+            <p:cNvPr id="5" name="Picture 4" descr="A picture containing text, diagram, line, plot&#10;&#10;Description automatically generated">
+              <a:extLst>
+                <a:ext uri="{FF2B5EF4-FFF2-40B4-BE49-F238E27FC236}">
+                  <a16:creationId xmlns:a16="http://schemas.microsoft.com/office/drawing/2014/main" id="{D5307EE8-18F2-4858-4A99-D08DB3911E5A}"/>
+                </a:ext>
+              </a:extLst>
+            </p:cNvPr>
+            <p:cNvPicPr>
+              <a:picLocks noChangeAspect="1"/>
+            </p:cNvPicPr>
+            <p:nvPr/>
+          </p:nvPicPr>
+          <p:blipFill>
+            <a:blip r:embed="rId7"/>
+            <a:stretch>
+              <a:fillRect/>
+            </a:stretch>
+          </p:blipFill>
+          <p:spPr>
+            <a:xfrm>
+              <a:off x="2409988" y="12748221"/>
+              <a:ext cx="33462598" cy="11754810"/>
+            </a:xfrm>
+            <a:prstGeom prst="rect">
+              <a:avLst/>
+            </a:prstGeom>
+          </p:spPr>
+        </p:pic>
+        <p:sp>
+          <p:nvSpPr>
+            <p:cNvPr id="13" name="TextBox 12">
+              <a:extLst>
+                <a:ext uri="{FF2B5EF4-FFF2-40B4-BE49-F238E27FC236}">
+                  <a16:creationId xmlns:a16="http://schemas.microsoft.com/office/drawing/2014/main" id="{39F6D17D-EE6F-26CE-4CE4-126B5907638D}"/>
+                </a:ext>
+              </a:extLst>
+            </p:cNvPr>
+            <p:cNvSpPr txBox="1"/>
+            <p:nvPr/>
+          </p:nvSpPr>
+          <p:spPr>
+            <a:xfrm>
+              <a:off x="562240" y="-391160"/>
+              <a:ext cx="958457" cy="1946124"/>
+            </a:xfrm>
+            <a:prstGeom prst="rect">
+              <a:avLst/>
+            </a:prstGeom>
             <a:noFill/>
-          </a:ln>
-        </p:spPr>
-        <p:style>
-          <a:lnRef idx="2">
-            <a:schemeClr val="accent1">
-              <a:shade val="50000"/>
-            </a:schemeClr>
-          </a:lnRef>
-          <a:fillRef idx="1">
-            <a:schemeClr val="accent1"/>
-          </a:fillRef>
-          <a:effectRef idx="0">
-            <a:schemeClr val="accent1"/>
-          </a:effectRef>
-          <a:fontRef idx="minor">
-            <a:schemeClr val="lt1"/>
-          </a:fontRef>
-        </p:style>
-        <p:txBody>
-          <a:bodyPr rtlCol="0" anchor="ctr"/>
-          <a:lstStyle/>
-          <a:p>
-            <a:pPr algn="ctr"/>
-            <a:endParaRPr lang="en-US" dirty="0"/>
-          </a:p>
-        </p:txBody>
-      </p:sp>
-      <p:sp>
-        <p:nvSpPr>
-          <p:cNvPr id="8" name="Rectangle 7">
-            <a:extLst>
-              <a:ext uri="{FF2B5EF4-FFF2-40B4-BE49-F238E27FC236}">
-                <a16:creationId xmlns:a16="http://schemas.microsoft.com/office/drawing/2014/main" id="{FEF673A0-95D9-B8C7-222A-2687211BAA55}"/>
-              </a:ext>
-            </a:extLst>
-          </p:cNvPr>
-          <p:cNvSpPr/>
-          <p:nvPr/>
-        </p:nvSpPr>
-        <p:spPr>
-          <a:xfrm>
-            <a:off x="15540220" y="21354095"/>
-            <a:ext cx="21876779" cy="1973740"/>
-          </a:xfrm>
-          <a:prstGeom prst="rect">
-            <a:avLst/>
-          </a:prstGeom>
-          <a:solidFill>
-            <a:schemeClr val="bg1"/>
-          </a:solidFill>
-          <a:ln>
+          </p:spPr>
+          <p:txBody>
+            <a:bodyPr wrap="none" rtlCol="0">
+              <a:spAutoFit/>
+            </a:bodyPr>
+            <a:lstStyle/>
+            <a:p>
+              <a:r>
+                <a:rPr lang="en-US" sz="11143" b="1" dirty="0"/>
+                <a:t>a</a:t>
+              </a:r>
+            </a:p>
+          </p:txBody>
+        </p:sp>
+        <p:sp>
+          <p:nvSpPr>
+            <p:cNvPr id="15" name="Rectangle 14">
+              <a:extLst>
+                <a:ext uri="{FF2B5EF4-FFF2-40B4-BE49-F238E27FC236}">
+                  <a16:creationId xmlns:a16="http://schemas.microsoft.com/office/drawing/2014/main" id="{D3A1F978-E7FE-44DD-AEA0-D7325EF67A1C}"/>
+                </a:ext>
+              </a:extLst>
+            </p:cNvPr>
+            <p:cNvSpPr/>
+            <p:nvPr/>
+          </p:nvSpPr>
+          <p:spPr>
+            <a:xfrm>
+              <a:off x="12942945" y="21655348"/>
+              <a:ext cx="21876779" cy="1973740"/>
+            </a:xfrm>
+            <a:prstGeom prst="rect">
+              <a:avLst/>
+            </a:prstGeom>
+            <a:solidFill>
+              <a:schemeClr val="bg1"/>
+            </a:solidFill>
+            <a:ln>
+              <a:noFill/>
+            </a:ln>
+          </p:spPr>
+          <p:style>
+            <a:lnRef idx="2">
+              <a:schemeClr val="accent1">
+                <a:shade val="50000"/>
+              </a:schemeClr>
+            </a:lnRef>
+            <a:fillRef idx="1">
+              <a:schemeClr val="accent1"/>
+            </a:fillRef>
+            <a:effectRef idx="0">
+              <a:schemeClr val="accent1"/>
+            </a:effectRef>
+            <a:fontRef idx="minor">
+              <a:schemeClr val="lt1"/>
+            </a:fontRef>
+          </p:style>
+          <p:txBody>
+            <a:bodyPr rtlCol="0" anchor="ctr"/>
+            <a:lstStyle/>
+            <a:p>
+              <a:pPr algn="ctr"/>
+              <a:endParaRPr lang="en-US" sz="1671" dirty="0"/>
+            </a:p>
+          </p:txBody>
+        </p:sp>
+        <p:sp>
+          <p:nvSpPr>
+            <p:cNvPr id="8" name="Rectangle 7">
+              <a:extLst>
+                <a:ext uri="{FF2B5EF4-FFF2-40B4-BE49-F238E27FC236}">
+                  <a16:creationId xmlns:a16="http://schemas.microsoft.com/office/drawing/2014/main" id="{FEF673A0-95D9-B8C7-222A-2687211BAA55}"/>
+                </a:ext>
+              </a:extLst>
+            </p:cNvPr>
+            <p:cNvSpPr/>
+            <p:nvPr/>
+          </p:nvSpPr>
+          <p:spPr>
+            <a:xfrm>
+              <a:off x="15540222" y="21354095"/>
+              <a:ext cx="21876779" cy="1973740"/>
+            </a:xfrm>
+            <a:prstGeom prst="rect">
+              <a:avLst/>
+            </a:prstGeom>
+            <a:solidFill>
+              <a:schemeClr val="bg1"/>
+            </a:solidFill>
+            <a:ln>
+              <a:noFill/>
+            </a:ln>
+          </p:spPr>
+          <p:style>
+            <a:lnRef idx="2">
+              <a:schemeClr val="accent1">
+                <a:shade val="50000"/>
+              </a:schemeClr>
+            </a:lnRef>
+            <a:fillRef idx="1">
+              <a:schemeClr val="accent1"/>
+            </a:fillRef>
+            <a:effectRef idx="0">
+              <a:schemeClr val="accent1"/>
+            </a:effectRef>
+            <a:fontRef idx="minor">
+              <a:schemeClr val="lt1"/>
+            </a:fontRef>
+          </p:style>
+          <p:txBody>
+            <a:bodyPr rtlCol="0" anchor="ctr"/>
+            <a:lstStyle/>
+            <a:p>
+              <a:pPr algn="ctr"/>
+              <a:endParaRPr lang="en-US" sz="1671" dirty="0"/>
+            </a:p>
+          </p:txBody>
+        </p:sp>
+        <p:sp>
+          <p:nvSpPr>
+            <p:cNvPr id="9" name="Rectangle 8">
+              <a:extLst>
+                <a:ext uri="{FF2B5EF4-FFF2-40B4-BE49-F238E27FC236}">
+                  <a16:creationId xmlns:a16="http://schemas.microsoft.com/office/drawing/2014/main" id="{963DC399-2BFD-8413-D2FC-7A5FBBBBF421}"/>
+                </a:ext>
+              </a:extLst>
+            </p:cNvPr>
+            <p:cNvSpPr/>
+            <p:nvPr/>
+          </p:nvSpPr>
+          <p:spPr>
+            <a:xfrm>
+              <a:off x="12610434" y="1378081"/>
+              <a:ext cx="21876779" cy="1973740"/>
+            </a:xfrm>
+            <a:prstGeom prst="rect">
+              <a:avLst/>
+            </a:prstGeom>
+            <a:solidFill>
+              <a:schemeClr val="bg1"/>
+            </a:solidFill>
+            <a:ln>
+              <a:noFill/>
+            </a:ln>
+          </p:spPr>
+          <p:style>
+            <a:lnRef idx="2">
+              <a:schemeClr val="accent1">
+                <a:shade val="50000"/>
+              </a:schemeClr>
+            </a:lnRef>
+            <a:fillRef idx="1">
+              <a:schemeClr val="accent1"/>
+            </a:fillRef>
+            <a:effectRef idx="0">
+              <a:schemeClr val="accent1"/>
+            </a:effectRef>
+            <a:fontRef idx="minor">
+              <a:schemeClr val="lt1"/>
+            </a:fontRef>
+          </p:style>
+          <p:txBody>
+            <a:bodyPr rtlCol="0" anchor="ctr"/>
+            <a:lstStyle/>
+            <a:p>
+              <a:pPr algn="ctr"/>
+              <a:endParaRPr lang="en-US" sz="1671" dirty="0"/>
+            </a:p>
+          </p:txBody>
+        </p:sp>
+        <p:pic>
+          <p:nvPicPr>
+            <p:cNvPr id="6" name="Picture 5" descr="A picture containing diagram, plot, text, line&#10;&#10;Description automatically generated">
+              <a:extLst>
+                <a:ext uri="{FF2B5EF4-FFF2-40B4-BE49-F238E27FC236}">
+                  <a16:creationId xmlns:a16="http://schemas.microsoft.com/office/drawing/2014/main" id="{420B2FC3-F79A-5A08-6FD7-C7DBEA62AFD0}"/>
+                </a:ext>
+              </a:extLst>
+            </p:cNvPr>
+            <p:cNvPicPr>
+              <a:picLocks noChangeAspect="1"/>
+            </p:cNvPicPr>
+            <p:nvPr/>
+          </p:nvPicPr>
+          <p:blipFill>
+            <a:blip r:embed="rId8"/>
+            <a:stretch>
+              <a:fillRect/>
+            </a:stretch>
+          </p:blipFill>
+          <p:spPr>
+            <a:xfrm>
+              <a:off x="2409988" y="1547832"/>
+              <a:ext cx="33462598" cy="11754810"/>
+            </a:xfrm>
+            <a:prstGeom prst="rect">
+              <a:avLst/>
+            </a:prstGeom>
+          </p:spPr>
+        </p:pic>
+        <p:sp>
+          <p:nvSpPr>
+            <p:cNvPr id="7" name="TextBox 6">
+              <a:extLst>
+                <a:ext uri="{FF2B5EF4-FFF2-40B4-BE49-F238E27FC236}">
+                  <a16:creationId xmlns:a16="http://schemas.microsoft.com/office/drawing/2014/main" id="{DE00191E-FC42-CDDB-AF97-D432E0706246}"/>
+                </a:ext>
+              </a:extLst>
+            </p:cNvPr>
+            <p:cNvSpPr txBox="1"/>
+            <p:nvPr/>
+          </p:nvSpPr>
+          <p:spPr>
+            <a:xfrm>
+              <a:off x="1796679" y="861002"/>
+              <a:ext cx="1243301" cy="1207462"/>
+            </a:xfrm>
+            <a:prstGeom prst="rect">
+              <a:avLst/>
+            </a:prstGeom>
             <a:noFill/>
-          </a:ln>
-        </p:spPr>
-        <p:style>
-          <a:lnRef idx="2">
-            <a:schemeClr val="accent1">
-              <a:shade val="50000"/>
-            </a:schemeClr>
-          </a:lnRef>
-          <a:fillRef idx="1">
-            <a:schemeClr val="accent1"/>
-          </a:fillRef>
-          <a:effectRef idx="0">
-            <a:schemeClr val="accent1"/>
-          </a:effectRef>
-          <a:fontRef idx="minor">
-            <a:schemeClr val="lt1"/>
-          </a:fontRef>
-        </p:style>
-        <p:txBody>
-          <a:bodyPr rtlCol="0" anchor="ctr"/>
-          <a:lstStyle/>
-          <a:p>
-            <a:pPr algn="ctr"/>
-            <a:endParaRPr lang="en-US" dirty="0"/>
-          </a:p>
-        </p:txBody>
-      </p:sp>
-      <p:sp>
-        <p:nvSpPr>
-          <p:cNvPr id="9" name="Rectangle 8">
-            <a:extLst>
-              <a:ext uri="{FF2B5EF4-FFF2-40B4-BE49-F238E27FC236}">
-                <a16:creationId xmlns:a16="http://schemas.microsoft.com/office/drawing/2014/main" id="{963DC399-2BFD-8413-D2FC-7A5FBBBBF421}"/>
-              </a:ext>
-            </a:extLst>
-          </p:cNvPr>
-          <p:cNvSpPr/>
-          <p:nvPr/>
-        </p:nvSpPr>
-        <p:spPr>
-          <a:xfrm>
-            <a:off x="12610432" y="1378081"/>
-            <a:ext cx="21876779" cy="1973740"/>
-          </a:xfrm>
-          <a:prstGeom prst="rect">
-            <a:avLst/>
-          </a:prstGeom>
-          <a:solidFill>
-            <a:schemeClr val="bg1"/>
-          </a:solidFill>
-          <a:ln>
+          </p:spPr>
+          <p:txBody>
+            <a:bodyPr wrap="none" rtlCol="0">
+              <a:spAutoFit/>
+            </a:bodyPr>
+            <a:lstStyle/>
+            <a:p>
+              <a:r>
+                <a:rPr lang="en-US" sz="6686" b="1" dirty="0"/>
+                <a:t>(1)</a:t>
+              </a:r>
+            </a:p>
+          </p:txBody>
+        </p:sp>
+        <p:sp>
+          <p:nvSpPr>
+            <p:cNvPr id="10" name="TextBox 9">
+              <a:extLst>
+                <a:ext uri="{FF2B5EF4-FFF2-40B4-BE49-F238E27FC236}">
+                  <a16:creationId xmlns:a16="http://schemas.microsoft.com/office/drawing/2014/main" id="{8630D0BA-0CE3-9D96-1F9F-19F29E8D932A}"/>
+                </a:ext>
+              </a:extLst>
+            </p:cNvPr>
+            <p:cNvSpPr txBox="1"/>
+            <p:nvPr/>
+          </p:nvSpPr>
+          <p:spPr>
+            <a:xfrm>
+              <a:off x="1796679" y="11340074"/>
+              <a:ext cx="1243301" cy="1207462"/>
+            </a:xfrm>
+            <a:prstGeom prst="rect">
+              <a:avLst/>
+            </a:prstGeom>
             <a:noFill/>
-          </a:ln>
-        </p:spPr>
-        <p:style>
-          <a:lnRef idx="2">
-            <a:schemeClr val="accent1">
-              <a:shade val="50000"/>
-            </a:schemeClr>
-          </a:lnRef>
-          <a:fillRef idx="1">
-            <a:schemeClr val="accent1"/>
-          </a:fillRef>
-          <a:effectRef idx="0">
-            <a:schemeClr val="accent1"/>
-          </a:effectRef>
-          <a:fontRef idx="minor">
-            <a:schemeClr val="lt1"/>
-          </a:fontRef>
-        </p:style>
-        <p:txBody>
-          <a:bodyPr rtlCol="0" anchor="ctr"/>
-          <a:lstStyle/>
-          <a:p>
-            <a:pPr algn="ctr"/>
-            <a:endParaRPr lang="en-US" dirty="0"/>
-          </a:p>
-        </p:txBody>
-      </p:sp>
-      <p:pic>
-        <p:nvPicPr>
-          <p:cNvPr id="6" name="Picture 5" descr="A picture containing diagram, plot, text, line&#10;&#10;Description automatically generated">
-            <a:extLst>
-              <a:ext uri="{FF2B5EF4-FFF2-40B4-BE49-F238E27FC236}">
-                <a16:creationId xmlns:a16="http://schemas.microsoft.com/office/drawing/2014/main" id="{420B2FC3-F79A-5A08-6FD7-C7DBEA62AFD0}"/>
-              </a:ext>
-            </a:extLst>
-          </p:cNvPr>
-          <p:cNvPicPr>
-            <a:picLocks noChangeAspect="1"/>
-          </p:cNvPicPr>
-          <p:nvPr/>
-        </p:nvPicPr>
-        <p:blipFill>
-          <a:blip r:embed="rId4"/>
-          <a:stretch>
-            <a:fillRect/>
-          </a:stretch>
-        </p:blipFill>
-        <p:spPr>
-          <a:xfrm>
-            <a:off x="2409988" y="1547832"/>
-            <a:ext cx="33462598" cy="11754810"/>
-          </a:xfrm>
-          <a:prstGeom prst="rect">
-            <a:avLst/>
-          </a:prstGeom>
-        </p:spPr>
-      </p:pic>
-      <p:sp>
-        <p:nvSpPr>
-          <p:cNvPr id="7" name="TextBox 6">
-            <a:extLst>
-              <a:ext uri="{FF2B5EF4-FFF2-40B4-BE49-F238E27FC236}">
-                <a16:creationId xmlns:a16="http://schemas.microsoft.com/office/drawing/2014/main" id="{DE00191E-FC42-CDDB-AF97-D432E0706246}"/>
-              </a:ext>
-            </a:extLst>
-          </p:cNvPr>
-          <p:cNvSpPr txBox="1"/>
-          <p:nvPr/>
-        </p:nvSpPr>
-        <p:spPr>
-          <a:xfrm>
-            <a:off x="1796679" y="861001"/>
-            <a:ext cx="1226618" cy="1200329"/>
-          </a:xfrm>
-          <a:prstGeom prst="rect">
-            <a:avLst/>
-          </a:prstGeom>
-          <a:noFill/>
-        </p:spPr>
-        <p:txBody>
-          <a:bodyPr wrap="none" rtlCol="0">
-            <a:spAutoFit/>
-          </a:bodyPr>
-          <a:lstStyle/>
-          <a:p>
-            <a:r>
-              <a:rPr lang="en-US" sz="7200" b="1" dirty="0"/>
-              <a:t>(1)</a:t>
-            </a:r>
-          </a:p>
-        </p:txBody>
-      </p:sp>
-      <p:sp>
-        <p:nvSpPr>
-          <p:cNvPr id="10" name="TextBox 9">
-            <a:extLst>
-              <a:ext uri="{FF2B5EF4-FFF2-40B4-BE49-F238E27FC236}">
-                <a16:creationId xmlns:a16="http://schemas.microsoft.com/office/drawing/2014/main" id="{8630D0BA-0CE3-9D96-1F9F-19F29E8D932A}"/>
-              </a:ext>
-            </a:extLst>
-          </p:cNvPr>
-          <p:cNvSpPr txBox="1"/>
-          <p:nvPr/>
-        </p:nvSpPr>
-        <p:spPr>
-          <a:xfrm>
-            <a:off x="1796679" y="11340072"/>
-            <a:ext cx="1226618" cy="1200329"/>
-          </a:xfrm>
-          <a:prstGeom prst="rect">
-            <a:avLst/>
-          </a:prstGeom>
-          <a:noFill/>
-        </p:spPr>
-        <p:txBody>
-          <a:bodyPr wrap="none" rtlCol="0">
-            <a:spAutoFit/>
-          </a:bodyPr>
-          <a:lstStyle/>
-          <a:p>
-            <a:r>
-              <a:rPr lang="en-US" sz="7200" b="1" dirty="0"/>
-              <a:t>(2)</a:t>
-            </a:r>
-          </a:p>
-        </p:txBody>
-      </p:sp>
-      <p:pic>
-        <p:nvPicPr>
-          <p:cNvPr id="19" name="Picture 18" descr="A green line and orange line&#10;&#10;Description automatically generated with low confidence">
-            <a:extLst>
-              <a:ext uri="{FF2B5EF4-FFF2-40B4-BE49-F238E27FC236}">
-                <a16:creationId xmlns:a16="http://schemas.microsoft.com/office/drawing/2014/main" id="{6129BEBF-3A02-A6A7-20EC-D190A92ED442}"/>
-              </a:ext>
-            </a:extLst>
-          </p:cNvPr>
-          <p:cNvPicPr>
-            <a:picLocks noChangeAspect="1"/>
-          </p:cNvPicPr>
-          <p:nvPr/>
-        </p:nvPicPr>
-        <p:blipFill>
-          <a:blip r:embed="rId5"/>
-          <a:stretch>
-            <a:fillRect/>
-          </a:stretch>
-        </p:blipFill>
-        <p:spPr>
-          <a:xfrm>
-            <a:off x="1271114" y="22773414"/>
-            <a:ext cx="35308348" cy="8827087"/>
-          </a:xfrm>
-          <a:prstGeom prst="rect">
-            <a:avLst/>
-          </a:prstGeom>
-        </p:spPr>
-      </p:pic>
-      <p:sp>
-        <p:nvSpPr>
-          <p:cNvPr id="20" name="TextBox 19">
-            <a:extLst>
-              <a:ext uri="{FF2B5EF4-FFF2-40B4-BE49-F238E27FC236}">
-                <a16:creationId xmlns:a16="http://schemas.microsoft.com/office/drawing/2014/main" id="{E7ADFE3F-58B4-7D9B-2CE3-73BB7EF8643E}"/>
-              </a:ext>
-            </a:extLst>
-          </p:cNvPr>
-          <p:cNvSpPr txBox="1"/>
-          <p:nvPr/>
-        </p:nvSpPr>
-        <p:spPr>
-          <a:xfrm>
-            <a:off x="562238" y="21757250"/>
-            <a:ext cx="1010213" cy="1938992"/>
-          </a:xfrm>
-          <a:prstGeom prst="rect">
-            <a:avLst/>
-          </a:prstGeom>
-          <a:noFill/>
-        </p:spPr>
-        <p:txBody>
-          <a:bodyPr wrap="none" rtlCol="0">
-            <a:spAutoFit/>
-          </a:bodyPr>
-          <a:lstStyle/>
-          <a:p>
-            <a:r>
-              <a:rPr lang="en-US" sz="12000" b="1" dirty="0"/>
-              <a:t>b</a:t>
-            </a:r>
-          </a:p>
-        </p:txBody>
-      </p:sp>
+          </p:spPr>
+          <p:txBody>
+            <a:bodyPr wrap="none" rtlCol="0">
+              <a:spAutoFit/>
+            </a:bodyPr>
+            <a:lstStyle/>
+            <a:p>
+              <a:r>
+                <a:rPr lang="en-US" sz="6686" b="1" dirty="0"/>
+                <a:t>(2)</a:t>
+              </a:r>
+            </a:p>
+          </p:txBody>
+        </p:sp>
+        <p:sp>
+          <p:nvSpPr>
+            <p:cNvPr id="20" name="TextBox 19">
+              <a:extLst>
+                <a:ext uri="{FF2B5EF4-FFF2-40B4-BE49-F238E27FC236}">
+                  <a16:creationId xmlns:a16="http://schemas.microsoft.com/office/drawing/2014/main" id="{E7ADFE3F-58B4-7D9B-2CE3-73BB7EF8643E}"/>
+                </a:ext>
+              </a:extLst>
+            </p:cNvPr>
+            <p:cNvSpPr txBox="1"/>
+            <p:nvPr/>
+          </p:nvSpPr>
+          <p:spPr>
+            <a:xfrm>
+              <a:off x="562240" y="21757250"/>
+              <a:ext cx="1024057" cy="1946124"/>
+            </a:xfrm>
+            <a:prstGeom prst="rect">
+              <a:avLst/>
+            </a:prstGeom>
+            <a:noFill/>
+          </p:spPr>
+          <p:txBody>
+            <a:bodyPr wrap="none" rtlCol="0">
+              <a:spAutoFit/>
+            </a:bodyPr>
+            <a:lstStyle/>
+            <a:p>
+              <a:r>
+                <a:rPr lang="en-US" sz="11143" b="1" dirty="0"/>
+                <a:t>b</a:t>
+              </a:r>
+            </a:p>
+          </p:txBody>
+        </p:sp>
+        <p:sp>
+          <p:nvSpPr>
+            <p:cNvPr id="12" name="TextBox 11">
+              <a:extLst>
+                <a:ext uri="{FF2B5EF4-FFF2-40B4-BE49-F238E27FC236}">
+                  <a16:creationId xmlns:a16="http://schemas.microsoft.com/office/drawing/2014/main" id="{63DE9ACD-FD37-82D2-CD30-4EC7F01B1610}"/>
+                </a:ext>
+              </a:extLst>
+            </p:cNvPr>
+            <p:cNvSpPr txBox="1"/>
+            <p:nvPr/>
+          </p:nvSpPr>
+          <p:spPr>
+            <a:xfrm>
+              <a:off x="513081" y="31159652"/>
+              <a:ext cx="842794" cy="1946124"/>
+            </a:xfrm>
+            <a:prstGeom prst="rect">
+              <a:avLst/>
+            </a:prstGeom>
+            <a:noFill/>
+          </p:spPr>
+          <p:txBody>
+            <a:bodyPr wrap="none" rtlCol="0">
+              <a:spAutoFit/>
+            </a:bodyPr>
+            <a:lstStyle/>
+            <a:p>
+              <a:r>
+                <a:rPr lang="en-US" sz="11143" b="1" dirty="0"/>
+                <a:t>c</a:t>
+              </a:r>
+            </a:p>
+          </p:txBody>
+        </p:sp>
+        <p:grpSp>
+          <p:nvGrpSpPr>
+            <p:cNvPr id="39" name="Group 38">
+              <a:extLst>
+                <a:ext uri="{FF2B5EF4-FFF2-40B4-BE49-F238E27FC236}">
+                  <a16:creationId xmlns:a16="http://schemas.microsoft.com/office/drawing/2014/main" id="{BDF84E2C-A80B-11B2-6535-C5AB1EAC1CF3}"/>
+                </a:ext>
+              </a:extLst>
+            </p:cNvPr>
+            <p:cNvGrpSpPr/>
+            <p:nvPr/>
+          </p:nvGrpSpPr>
+          <p:grpSpPr>
+            <a:xfrm>
+              <a:off x="1762370" y="31754717"/>
+              <a:ext cx="33417969" cy="7936704"/>
+              <a:chOff x="1762368" y="32059517"/>
+              <a:chExt cx="33417969" cy="10916295"/>
+            </a:xfrm>
+          </p:grpSpPr>
+          <p:sp>
+            <p:nvSpPr>
+              <p:cNvPr id="14" name="Rectangle 13">
+                <a:extLst>
+                  <a:ext uri="{FF2B5EF4-FFF2-40B4-BE49-F238E27FC236}">
+                    <a16:creationId xmlns:a16="http://schemas.microsoft.com/office/drawing/2014/main" id="{19FE868D-AA13-176A-62D9-3C4112121F0F}"/>
+                  </a:ext>
+                </a:extLst>
+              </p:cNvPr>
+              <p:cNvSpPr/>
+              <p:nvPr/>
+            </p:nvSpPr>
+            <p:spPr>
+              <a:xfrm>
+                <a:off x="1762368" y="32059517"/>
+                <a:ext cx="1262199" cy="10916295"/>
+              </a:xfrm>
+              <a:prstGeom prst="rect">
+                <a:avLst/>
+              </a:prstGeom>
+              <a:noFill/>
+              <a:ln w="63500">
+                <a:solidFill>
+                  <a:schemeClr val="tx1"/>
+                </a:solidFill>
+              </a:ln>
+            </p:spPr>
+            <p:style>
+              <a:lnRef idx="2">
+                <a:schemeClr val="accent1">
+                  <a:shade val="50000"/>
+                </a:schemeClr>
+              </a:lnRef>
+              <a:fillRef idx="1">
+                <a:schemeClr val="accent1"/>
+              </a:fillRef>
+              <a:effectRef idx="0">
+                <a:schemeClr val="accent1"/>
+              </a:effectRef>
+              <a:fontRef idx="minor">
+                <a:schemeClr val="lt1"/>
+              </a:fontRef>
+            </p:style>
+            <p:txBody>
+              <a:bodyPr vert="vert270" rtlCol="0" anchor="ctr"/>
+              <a:lstStyle/>
+              <a:p>
+                <a:pPr algn="ctr"/>
+                <a:r>
+                  <a:rPr lang="en-US" sz="5572" b="1" dirty="0" err="1">
+                    <a:solidFill>
+                      <a:schemeClr val="tx1"/>
+                    </a:solidFill>
+                    <a:latin typeface="Microsoft JhengHei UI" panose="020B0604030504040204" pitchFamily="34" charset="-120"/>
+                    <a:ea typeface="Microsoft JhengHei UI" panose="020B0604030504040204" pitchFamily="34" charset="-120"/>
+                  </a:rPr>
+                  <a:t>Positive_MANE</a:t>
+                </a:r>
+                <a:endParaRPr lang="en-US" sz="5572" b="1" dirty="0">
+                  <a:solidFill>
+                    <a:schemeClr val="tx1"/>
+                  </a:solidFill>
+                  <a:latin typeface="Microsoft JhengHei UI" panose="020B0604030504040204" pitchFamily="34" charset="-120"/>
+                  <a:ea typeface="Microsoft JhengHei UI" panose="020B0604030504040204" pitchFamily="34" charset="-120"/>
+                </a:endParaRPr>
+              </a:p>
+            </p:txBody>
+          </p:sp>
+          <p:sp>
+            <p:nvSpPr>
+              <p:cNvPr id="17" name="Rectangle 16">
+                <a:extLst>
+                  <a:ext uri="{FF2B5EF4-FFF2-40B4-BE49-F238E27FC236}">
+                    <a16:creationId xmlns:a16="http://schemas.microsoft.com/office/drawing/2014/main" id="{CF34CC78-E5E8-4E66-F1C7-4FC7CB97BEC8}"/>
+                  </a:ext>
+                </a:extLst>
+              </p:cNvPr>
+              <p:cNvSpPr/>
+              <p:nvPr/>
+            </p:nvSpPr>
+            <p:spPr>
+              <a:xfrm>
+                <a:off x="3024567" y="32059517"/>
+                <a:ext cx="32155770" cy="10916295"/>
+              </a:xfrm>
+              <a:prstGeom prst="rect">
+                <a:avLst/>
+              </a:prstGeom>
+              <a:noFill/>
+              <a:ln w="63500">
+                <a:solidFill>
+                  <a:schemeClr val="tx1"/>
+                </a:solidFill>
+              </a:ln>
+            </p:spPr>
+            <p:style>
+              <a:lnRef idx="2">
+                <a:schemeClr val="accent1">
+                  <a:shade val="50000"/>
+                </a:schemeClr>
+              </a:lnRef>
+              <a:fillRef idx="1">
+                <a:schemeClr val="accent1"/>
+              </a:fillRef>
+              <a:effectRef idx="0">
+                <a:schemeClr val="accent1"/>
+              </a:effectRef>
+              <a:fontRef idx="minor">
+                <a:schemeClr val="lt1"/>
+              </a:fontRef>
+            </p:style>
+            <p:txBody>
+              <a:bodyPr rtlCol="0" anchor="ctr"/>
+              <a:lstStyle/>
+              <a:p>
+                <a:pPr algn="ctr"/>
+                <a:endParaRPr lang="en-US" sz="1671" dirty="0"/>
+              </a:p>
+            </p:txBody>
+          </p:sp>
+        </p:grpSp>
+        <p:grpSp>
+          <p:nvGrpSpPr>
+            <p:cNvPr id="18" name="Group 17">
+              <a:extLst>
+                <a:ext uri="{FF2B5EF4-FFF2-40B4-BE49-F238E27FC236}">
+                  <a16:creationId xmlns:a16="http://schemas.microsoft.com/office/drawing/2014/main" id="{C9DAEBE9-60EB-69BC-88FE-731506FE650E}"/>
+                </a:ext>
+              </a:extLst>
+            </p:cNvPr>
+            <p:cNvGrpSpPr/>
+            <p:nvPr/>
+          </p:nvGrpSpPr>
+          <p:grpSpPr>
+            <a:xfrm>
+              <a:off x="1760203" y="39970642"/>
+              <a:ext cx="33417970" cy="7947128"/>
+              <a:chOff x="5427890" y="2582090"/>
+              <a:chExt cx="33417970" cy="8009709"/>
+            </a:xfrm>
+          </p:grpSpPr>
+          <p:sp>
+            <p:nvSpPr>
+              <p:cNvPr id="21" name="Rectangle 20">
+                <a:extLst>
+                  <a:ext uri="{FF2B5EF4-FFF2-40B4-BE49-F238E27FC236}">
+                    <a16:creationId xmlns:a16="http://schemas.microsoft.com/office/drawing/2014/main" id="{D7E54666-A60C-F57A-38A0-DB046F7A0662}"/>
+                  </a:ext>
+                </a:extLst>
+              </p:cNvPr>
+              <p:cNvSpPr/>
+              <p:nvPr/>
+            </p:nvSpPr>
+            <p:spPr>
+              <a:xfrm>
+                <a:off x="5427890" y="2582090"/>
+                <a:ext cx="1262199" cy="8009709"/>
+              </a:xfrm>
+              <a:prstGeom prst="rect">
+                <a:avLst/>
+              </a:prstGeom>
+              <a:noFill/>
+              <a:ln w="63500">
+                <a:solidFill>
+                  <a:schemeClr val="tx1"/>
+                </a:solidFill>
+              </a:ln>
+            </p:spPr>
+            <p:style>
+              <a:lnRef idx="2">
+                <a:schemeClr val="accent1">
+                  <a:shade val="50000"/>
+                </a:schemeClr>
+              </a:lnRef>
+              <a:fillRef idx="1">
+                <a:schemeClr val="accent1"/>
+              </a:fillRef>
+              <a:effectRef idx="0">
+                <a:schemeClr val="accent1"/>
+              </a:effectRef>
+              <a:fontRef idx="minor">
+                <a:schemeClr val="lt1"/>
+              </a:fontRef>
+            </p:style>
+            <p:txBody>
+              <a:bodyPr vert="vert270" rtlCol="0" anchor="ctr"/>
+              <a:lstStyle/>
+              <a:p>
+                <a:pPr algn="ctr"/>
+                <a:r>
+                  <a:rPr lang="en-US" sz="5572" b="1" dirty="0" err="1">
+                    <a:solidFill>
+                      <a:schemeClr val="tx1"/>
+                    </a:solidFill>
+                    <a:latin typeface="Microsoft JhengHei UI" panose="020B0604030504040204" pitchFamily="34" charset="-120"/>
+                    <a:ea typeface="Microsoft JhengHei UI" panose="020B0604030504040204" pitchFamily="34" charset="-120"/>
+                  </a:rPr>
+                  <a:t>Positive_ALT</a:t>
+                </a:r>
+                <a:endParaRPr lang="en-US" sz="5572" b="1" dirty="0">
+                  <a:solidFill>
+                    <a:schemeClr val="tx1"/>
+                  </a:solidFill>
+                  <a:latin typeface="Microsoft JhengHei UI" panose="020B0604030504040204" pitchFamily="34" charset="-120"/>
+                  <a:ea typeface="Microsoft JhengHei UI" panose="020B0604030504040204" pitchFamily="34" charset="-120"/>
+                </a:endParaRPr>
+              </a:p>
+            </p:txBody>
+          </p:sp>
+          <p:sp>
+            <p:nvSpPr>
+              <p:cNvPr id="23" name="Rectangle 22">
+                <a:extLst>
+                  <a:ext uri="{FF2B5EF4-FFF2-40B4-BE49-F238E27FC236}">
+                    <a16:creationId xmlns:a16="http://schemas.microsoft.com/office/drawing/2014/main" id="{F6901083-F6C3-9273-FD0A-31ACE902C42E}"/>
+                  </a:ext>
+                </a:extLst>
+              </p:cNvPr>
+              <p:cNvSpPr/>
+              <p:nvPr/>
+            </p:nvSpPr>
+            <p:spPr>
+              <a:xfrm>
+                <a:off x="6690090" y="2582090"/>
+                <a:ext cx="32155770" cy="8009709"/>
+              </a:xfrm>
+              <a:prstGeom prst="rect">
+                <a:avLst/>
+              </a:prstGeom>
+              <a:noFill/>
+              <a:ln w="63500">
+                <a:solidFill>
+                  <a:schemeClr val="tx1"/>
+                </a:solidFill>
+              </a:ln>
+            </p:spPr>
+            <p:style>
+              <a:lnRef idx="2">
+                <a:schemeClr val="accent1">
+                  <a:shade val="50000"/>
+                </a:schemeClr>
+              </a:lnRef>
+              <a:fillRef idx="1">
+                <a:schemeClr val="accent1"/>
+              </a:fillRef>
+              <a:effectRef idx="0">
+                <a:schemeClr val="accent1"/>
+              </a:effectRef>
+              <a:fontRef idx="minor">
+                <a:schemeClr val="lt1"/>
+              </a:fontRef>
+            </p:style>
+            <p:txBody>
+              <a:bodyPr rtlCol="0" anchor="ctr"/>
+              <a:lstStyle/>
+              <a:p>
+                <a:pPr algn="ctr"/>
+                <a:endParaRPr lang="en-US" sz="1671" dirty="0"/>
+              </a:p>
+            </p:txBody>
+          </p:sp>
+        </p:grpSp>
+        <p:sp>
+          <p:nvSpPr>
+            <p:cNvPr id="24" name="TextBox 23">
+              <a:extLst>
+                <a:ext uri="{FF2B5EF4-FFF2-40B4-BE49-F238E27FC236}">
+                  <a16:creationId xmlns:a16="http://schemas.microsoft.com/office/drawing/2014/main" id="{B679F6CB-3A2B-45EA-6EA6-0B62EA09E5C6}"/>
+                </a:ext>
+              </a:extLst>
+            </p:cNvPr>
+            <p:cNvSpPr txBox="1"/>
+            <p:nvPr/>
+          </p:nvSpPr>
+          <p:spPr>
+            <a:xfrm>
+              <a:off x="9714369" y="30403850"/>
+              <a:ext cx="3040409" cy="1207462"/>
+            </a:xfrm>
+            <a:prstGeom prst="rect">
+              <a:avLst/>
+            </a:prstGeom>
+            <a:noFill/>
+          </p:spPr>
+          <p:txBody>
+            <a:bodyPr wrap="none" rtlCol="0">
+              <a:spAutoFit/>
+            </a:bodyPr>
+            <a:lstStyle/>
+            <a:p>
+              <a:pPr algn="ctr"/>
+              <a:r>
+                <a:rPr lang="en-US" sz="6686" b="1" dirty="0">
+                  <a:latin typeface="Microsoft JhengHei UI" panose="020B0604030504040204" pitchFamily="34" charset="-120"/>
+                  <a:ea typeface="Microsoft JhengHei UI" panose="020B0604030504040204" pitchFamily="34" charset="-120"/>
+                </a:rPr>
+                <a:t>Donor</a:t>
+              </a:r>
+            </a:p>
+          </p:txBody>
+        </p:sp>
+        <p:sp>
+          <p:nvSpPr>
+            <p:cNvPr id="25" name="TextBox 24">
+              <a:extLst>
+                <a:ext uri="{FF2B5EF4-FFF2-40B4-BE49-F238E27FC236}">
+                  <a16:creationId xmlns:a16="http://schemas.microsoft.com/office/drawing/2014/main" id="{315178A2-54F8-DCE4-9D29-8FA6C00C676D}"/>
+                </a:ext>
+              </a:extLst>
+            </p:cNvPr>
+            <p:cNvSpPr txBox="1"/>
+            <p:nvPr/>
+          </p:nvSpPr>
+          <p:spPr>
+            <a:xfrm>
+              <a:off x="26199985" y="30499108"/>
+              <a:ext cx="4229089" cy="1207462"/>
+            </a:xfrm>
+            <a:prstGeom prst="rect">
+              <a:avLst/>
+            </a:prstGeom>
+            <a:noFill/>
+          </p:spPr>
+          <p:txBody>
+            <a:bodyPr wrap="none" rtlCol="0">
+              <a:spAutoFit/>
+            </a:bodyPr>
+            <a:lstStyle/>
+            <a:p>
+              <a:pPr algn="ctr"/>
+              <a:r>
+                <a:rPr lang="en-US" sz="6686" b="1" dirty="0">
+                  <a:latin typeface="Microsoft JhengHei UI" panose="020B0604030504040204" pitchFamily="34" charset="-120"/>
+                  <a:ea typeface="Microsoft JhengHei UI" panose="020B0604030504040204" pitchFamily="34" charset="-120"/>
+                </a:rPr>
+                <a:t>Acceptor</a:t>
+              </a:r>
+            </a:p>
+          </p:txBody>
+        </p:sp>
+        <p:pic>
+          <p:nvPicPr>
+            <p:cNvPr id="30" name="Picture 29" descr="A green line and orange line&#10;&#10;Description automatically generated">
+              <a:extLst>
+                <a:ext uri="{FF2B5EF4-FFF2-40B4-BE49-F238E27FC236}">
+                  <a16:creationId xmlns:a16="http://schemas.microsoft.com/office/drawing/2014/main" id="{FEE64B79-13B9-D82A-7E9F-253779A794A0}"/>
+                </a:ext>
+              </a:extLst>
+            </p:cNvPr>
+            <p:cNvPicPr>
+              <a:picLocks noChangeAspect="1"/>
+            </p:cNvPicPr>
+            <p:nvPr/>
+          </p:nvPicPr>
+          <p:blipFill>
+            <a:blip r:embed="rId9"/>
+            <a:stretch>
+              <a:fillRect/>
+            </a:stretch>
+          </p:blipFill>
+          <p:spPr>
+            <a:xfrm>
+              <a:off x="1506727" y="22937247"/>
+              <a:ext cx="35043084" cy="7300642"/>
+            </a:xfrm>
+            <a:prstGeom prst="rect">
+              <a:avLst/>
+            </a:prstGeom>
+          </p:spPr>
+        </p:pic>
+      </p:grpSp>
     </p:spTree>
     <p:extLst>
       <p:ext uri="{BB962C8B-B14F-4D97-AF65-F5344CB8AC3E}">
